--- a/Team Project.pptx
+++ b/Team Project.pptx
@@ -10,8 +10,10 @@
     <p:sldId id="258" r:id="rId4"/>
     <p:sldId id="259" r:id="rId5"/>
     <p:sldId id="260" r:id="rId6"/>
+    <p:sldId id="261" r:id="rId7"/>
+    <p:sldId id="262" r:id="rId8"/>
   </p:sldIdLst>
-  <p:sldSz cx="12192000" cy="6858000"/>
+  <p:sldSz cx="9144000" cy="6858000" type="screen4x3"/>
   <p:notesSz cx="6858000" cy="9144000"/>
   <p:defaultTextStyle>
     <a:defPPr>
@@ -140,23 +142,19 @@
         </p:nvSpPr>
         <p:spPr>
           <a:xfrm>
-            <a:off x="1524000" y="1122363"/>
-            <a:ext cx="9144000" cy="2387600"/>
+            <a:off x="685800" y="2130425"/>
+            <a:ext cx="7772400" cy="1470025"/>
           </a:xfrm>
         </p:spPr>
         <p:txBody>
-          <a:bodyPr anchor="b"/>
-          <a:lstStyle>
-            <a:lvl1pPr algn="ctr">
-              <a:defRPr sz="6000"/>
-            </a:lvl1pPr>
-          </a:lstStyle>
+          <a:bodyPr/>
+          <a:lstStyle/>
           <a:p>
             <a:r>
               <a:rPr lang="en-US" smtClean="0"/>
               <a:t>Click to edit Master title style</a:t>
             </a:r>
-            <a:endParaRPr lang="en-GB"/>
+            <a:endParaRPr lang="en-US"/>
           </a:p>
         </p:txBody>
       </p:sp>
@@ -172,8 +170,8 @@
         </p:nvSpPr>
         <p:spPr>
           <a:xfrm>
-            <a:off x="1524000" y="3602038"/>
-            <a:ext cx="9144000" cy="1655762"/>
+            <a:off x="1371600" y="3886200"/>
+            <a:ext cx="6400800" cy="1752600"/>
           </a:xfrm>
         </p:spPr>
         <p:txBody>
@@ -181,39 +179,93 @@
           <a:lstStyle>
             <a:lvl1pPr marL="0" indent="0" algn="ctr">
               <a:buNone/>
-              <a:defRPr sz="2400"/>
+              <a:defRPr>
+                <a:solidFill>
+                  <a:schemeClr val="tx1">
+                    <a:tint val="75000"/>
+                  </a:schemeClr>
+                </a:solidFill>
+              </a:defRPr>
             </a:lvl1pPr>
             <a:lvl2pPr marL="457200" indent="0" algn="ctr">
               <a:buNone/>
-              <a:defRPr sz="2000"/>
+              <a:defRPr>
+                <a:solidFill>
+                  <a:schemeClr val="tx1">
+                    <a:tint val="75000"/>
+                  </a:schemeClr>
+                </a:solidFill>
+              </a:defRPr>
             </a:lvl2pPr>
             <a:lvl3pPr marL="914400" indent="0" algn="ctr">
               <a:buNone/>
-              <a:defRPr sz="1800"/>
+              <a:defRPr>
+                <a:solidFill>
+                  <a:schemeClr val="tx1">
+                    <a:tint val="75000"/>
+                  </a:schemeClr>
+                </a:solidFill>
+              </a:defRPr>
             </a:lvl3pPr>
             <a:lvl4pPr marL="1371600" indent="0" algn="ctr">
               <a:buNone/>
-              <a:defRPr sz="1600"/>
+              <a:defRPr>
+                <a:solidFill>
+                  <a:schemeClr val="tx1">
+                    <a:tint val="75000"/>
+                  </a:schemeClr>
+                </a:solidFill>
+              </a:defRPr>
             </a:lvl4pPr>
             <a:lvl5pPr marL="1828800" indent="0" algn="ctr">
               <a:buNone/>
-              <a:defRPr sz="1600"/>
+              <a:defRPr>
+                <a:solidFill>
+                  <a:schemeClr val="tx1">
+                    <a:tint val="75000"/>
+                  </a:schemeClr>
+                </a:solidFill>
+              </a:defRPr>
             </a:lvl5pPr>
             <a:lvl6pPr marL="2286000" indent="0" algn="ctr">
               <a:buNone/>
-              <a:defRPr sz="1600"/>
+              <a:defRPr>
+                <a:solidFill>
+                  <a:schemeClr val="tx1">
+                    <a:tint val="75000"/>
+                  </a:schemeClr>
+                </a:solidFill>
+              </a:defRPr>
             </a:lvl6pPr>
             <a:lvl7pPr marL="2743200" indent="0" algn="ctr">
               <a:buNone/>
-              <a:defRPr sz="1600"/>
+              <a:defRPr>
+                <a:solidFill>
+                  <a:schemeClr val="tx1">
+                    <a:tint val="75000"/>
+                  </a:schemeClr>
+                </a:solidFill>
+              </a:defRPr>
             </a:lvl7pPr>
             <a:lvl8pPr marL="3200400" indent="0" algn="ctr">
               <a:buNone/>
-              <a:defRPr sz="1600"/>
+              <a:defRPr>
+                <a:solidFill>
+                  <a:schemeClr val="tx1">
+                    <a:tint val="75000"/>
+                  </a:schemeClr>
+                </a:solidFill>
+              </a:defRPr>
             </a:lvl8pPr>
             <a:lvl9pPr marL="3657600" indent="0" algn="ctr">
               <a:buNone/>
-              <a:defRPr sz="1600"/>
+              <a:defRPr>
+                <a:solidFill>
+                  <a:schemeClr val="tx1">
+                    <a:tint val="75000"/>
+                  </a:schemeClr>
+                </a:solidFill>
+              </a:defRPr>
             </a:lvl9pPr>
           </a:lstStyle>
           <a:p>
@@ -221,7 +273,7 @@
               <a:rPr lang="en-US" smtClean="0"/>
               <a:t>Click to edit Master subtitle style</a:t>
             </a:r>
-            <a:endParaRPr lang="en-GB"/>
+            <a:endParaRPr lang="en-US"/>
           </a:p>
         </p:txBody>
       </p:sp>
@@ -240,11 +292,11 @@
           <a:bodyPr/>
           <a:lstStyle/>
           <a:p>
-            <a:fld id="{54274EA8-7A87-421B-AF14-C473620709C5}" type="datetimeFigureOut">
-              <a:rPr lang="en-GB" smtClean="0"/>
-              <a:t>15/02/2017</a:t>
+            <a:fld id="{856FCB8A-C10C-4960-9952-BB28643C2B04}" type="datetimeFigureOut">
+              <a:rPr lang="en-US" smtClean="0"/>
+              <a:t>2/19/2017</a:t>
             </a:fld>
-            <a:endParaRPr lang="en-GB"/>
+            <a:endParaRPr lang="en-US"/>
           </a:p>
         </p:txBody>
       </p:sp>
@@ -263,7 +315,7 @@
           <a:bodyPr/>
           <a:lstStyle/>
           <a:p>
-            <a:endParaRPr lang="en-GB"/>
+            <a:endParaRPr lang="en-US"/>
           </a:p>
         </p:txBody>
       </p:sp>
@@ -282,18 +334,18 @@
           <a:bodyPr/>
           <a:lstStyle/>
           <a:p>
-            <a:fld id="{50C6A630-EC14-41AC-9F48-458A52401F60}" type="slidenum">
-              <a:rPr lang="en-GB" smtClean="0"/>
+            <a:fld id="{27A0E367-D95A-4BA1-AE05-B2B7E9A4CA2D}" type="slidenum">
+              <a:rPr lang="en-US" smtClean="0"/>
               <a:t>‹#›</a:t>
             </a:fld>
-            <a:endParaRPr lang="en-GB"/>
+            <a:endParaRPr lang="en-US"/>
           </a:p>
         </p:txBody>
       </p:sp>
     </p:spTree>
     <p:extLst>
       <p:ext uri="{BB962C8B-B14F-4D97-AF65-F5344CB8AC3E}">
-        <p14:creationId xmlns:p14="http://schemas.microsoft.com/office/powerpoint/2010/main" val="236886563"/>
+        <p14:creationId xmlns:p14="http://schemas.microsoft.com/office/powerpoint/2010/main" val="2048079563"/>
       </p:ext>
     </p:extLst>
   </p:cSld>
@@ -339,7 +391,7 @@
               <a:rPr lang="en-US" smtClean="0"/>
               <a:t>Click to edit Master title style</a:t>
             </a:r>
-            <a:endParaRPr lang="en-GB"/>
+            <a:endParaRPr lang="en-US"/>
           </a:p>
         </p:txBody>
       </p:sp>
@@ -391,7 +443,7 @@
               <a:rPr lang="en-US" smtClean="0"/>
               <a:t>Fifth level</a:t>
             </a:r>
-            <a:endParaRPr lang="en-GB"/>
+            <a:endParaRPr lang="en-US"/>
           </a:p>
         </p:txBody>
       </p:sp>
@@ -410,11 +462,11 @@
           <a:bodyPr/>
           <a:lstStyle/>
           <a:p>
-            <a:fld id="{54274EA8-7A87-421B-AF14-C473620709C5}" type="datetimeFigureOut">
-              <a:rPr lang="en-GB" smtClean="0"/>
-              <a:t>15/02/2017</a:t>
+            <a:fld id="{856FCB8A-C10C-4960-9952-BB28643C2B04}" type="datetimeFigureOut">
+              <a:rPr lang="en-US" smtClean="0"/>
+              <a:t>2/19/2017</a:t>
             </a:fld>
-            <a:endParaRPr lang="en-GB"/>
+            <a:endParaRPr lang="en-US"/>
           </a:p>
         </p:txBody>
       </p:sp>
@@ -433,7 +485,7 @@
           <a:bodyPr/>
           <a:lstStyle/>
           <a:p>
-            <a:endParaRPr lang="en-GB"/>
+            <a:endParaRPr lang="en-US"/>
           </a:p>
         </p:txBody>
       </p:sp>
@@ -452,18 +504,18 @@
           <a:bodyPr/>
           <a:lstStyle/>
           <a:p>
-            <a:fld id="{50C6A630-EC14-41AC-9F48-458A52401F60}" type="slidenum">
-              <a:rPr lang="en-GB" smtClean="0"/>
+            <a:fld id="{27A0E367-D95A-4BA1-AE05-B2B7E9A4CA2D}" type="slidenum">
+              <a:rPr lang="en-US" smtClean="0"/>
               <a:t>‹#›</a:t>
             </a:fld>
-            <a:endParaRPr lang="en-GB"/>
+            <a:endParaRPr lang="en-US"/>
           </a:p>
         </p:txBody>
       </p:sp>
     </p:spTree>
     <p:extLst>
       <p:ext uri="{BB962C8B-B14F-4D97-AF65-F5344CB8AC3E}">
-        <p14:creationId xmlns:p14="http://schemas.microsoft.com/office/powerpoint/2010/main" val="4139062969"/>
+        <p14:creationId xmlns:p14="http://schemas.microsoft.com/office/powerpoint/2010/main" val="551796792"/>
       </p:ext>
     </p:extLst>
   </p:cSld>
@@ -502,8 +554,8 @@
         </p:nvSpPr>
         <p:spPr>
           <a:xfrm>
-            <a:off x="8724900" y="365125"/>
-            <a:ext cx="2628900" cy="5811838"/>
+            <a:off x="6629400" y="274638"/>
+            <a:ext cx="2057400" cy="5851525"/>
           </a:xfrm>
         </p:spPr>
         <p:txBody>
@@ -514,7 +566,7 @@
               <a:rPr lang="en-US" smtClean="0"/>
               <a:t>Click to edit Master title style</a:t>
             </a:r>
-            <a:endParaRPr lang="en-GB"/>
+            <a:endParaRPr lang="en-US"/>
           </a:p>
         </p:txBody>
       </p:sp>
@@ -530,8 +582,8 @@
         </p:nvSpPr>
         <p:spPr>
           <a:xfrm>
-            <a:off x="838200" y="365125"/>
-            <a:ext cx="7734300" cy="5811838"/>
+            <a:off x="457200" y="274638"/>
+            <a:ext cx="6019800" cy="5851525"/>
           </a:xfrm>
         </p:spPr>
         <p:txBody>
@@ -571,7 +623,7 @@
               <a:rPr lang="en-US" smtClean="0"/>
               <a:t>Fifth level</a:t>
             </a:r>
-            <a:endParaRPr lang="en-GB"/>
+            <a:endParaRPr lang="en-US"/>
           </a:p>
         </p:txBody>
       </p:sp>
@@ -590,11 +642,11 @@
           <a:bodyPr/>
           <a:lstStyle/>
           <a:p>
-            <a:fld id="{54274EA8-7A87-421B-AF14-C473620709C5}" type="datetimeFigureOut">
-              <a:rPr lang="en-GB" smtClean="0"/>
-              <a:t>15/02/2017</a:t>
+            <a:fld id="{856FCB8A-C10C-4960-9952-BB28643C2B04}" type="datetimeFigureOut">
+              <a:rPr lang="en-US" smtClean="0"/>
+              <a:t>2/19/2017</a:t>
             </a:fld>
-            <a:endParaRPr lang="en-GB"/>
+            <a:endParaRPr lang="en-US"/>
           </a:p>
         </p:txBody>
       </p:sp>
@@ -613,7 +665,7 @@
           <a:bodyPr/>
           <a:lstStyle/>
           <a:p>
-            <a:endParaRPr lang="en-GB"/>
+            <a:endParaRPr lang="en-US"/>
           </a:p>
         </p:txBody>
       </p:sp>
@@ -632,18 +684,18 @@
           <a:bodyPr/>
           <a:lstStyle/>
           <a:p>
-            <a:fld id="{50C6A630-EC14-41AC-9F48-458A52401F60}" type="slidenum">
-              <a:rPr lang="en-GB" smtClean="0"/>
+            <a:fld id="{27A0E367-D95A-4BA1-AE05-B2B7E9A4CA2D}" type="slidenum">
+              <a:rPr lang="en-US" smtClean="0"/>
               <a:t>‹#›</a:t>
             </a:fld>
-            <a:endParaRPr lang="en-GB"/>
+            <a:endParaRPr lang="en-US"/>
           </a:p>
         </p:txBody>
       </p:sp>
     </p:spTree>
     <p:extLst>
       <p:ext uri="{BB962C8B-B14F-4D97-AF65-F5344CB8AC3E}">
-        <p14:creationId xmlns:p14="http://schemas.microsoft.com/office/powerpoint/2010/main" val="4204735710"/>
+        <p14:creationId xmlns:p14="http://schemas.microsoft.com/office/powerpoint/2010/main" val="4005474385"/>
       </p:ext>
     </p:extLst>
   </p:cSld>
@@ -689,7 +741,7 @@
               <a:rPr lang="en-US" smtClean="0"/>
               <a:t>Click to edit Master title style</a:t>
             </a:r>
-            <a:endParaRPr lang="en-GB"/>
+            <a:endParaRPr lang="en-US"/>
           </a:p>
         </p:txBody>
       </p:sp>
@@ -741,7 +793,7 @@
               <a:rPr lang="en-US" smtClean="0"/>
               <a:t>Fifth level</a:t>
             </a:r>
-            <a:endParaRPr lang="en-GB"/>
+            <a:endParaRPr lang="en-US"/>
           </a:p>
         </p:txBody>
       </p:sp>
@@ -760,11 +812,11 @@
           <a:bodyPr/>
           <a:lstStyle/>
           <a:p>
-            <a:fld id="{54274EA8-7A87-421B-AF14-C473620709C5}" type="datetimeFigureOut">
-              <a:rPr lang="en-GB" smtClean="0"/>
-              <a:t>15/02/2017</a:t>
+            <a:fld id="{856FCB8A-C10C-4960-9952-BB28643C2B04}" type="datetimeFigureOut">
+              <a:rPr lang="en-US" smtClean="0"/>
+              <a:t>2/19/2017</a:t>
             </a:fld>
-            <a:endParaRPr lang="en-GB"/>
+            <a:endParaRPr lang="en-US"/>
           </a:p>
         </p:txBody>
       </p:sp>
@@ -783,7 +835,7 @@
           <a:bodyPr/>
           <a:lstStyle/>
           <a:p>
-            <a:endParaRPr lang="en-GB"/>
+            <a:endParaRPr lang="en-US"/>
           </a:p>
         </p:txBody>
       </p:sp>
@@ -802,18 +854,18 @@
           <a:bodyPr/>
           <a:lstStyle/>
           <a:p>
-            <a:fld id="{50C6A630-EC14-41AC-9F48-458A52401F60}" type="slidenum">
-              <a:rPr lang="en-GB" smtClean="0"/>
+            <a:fld id="{27A0E367-D95A-4BA1-AE05-B2B7E9A4CA2D}" type="slidenum">
+              <a:rPr lang="en-US" smtClean="0"/>
               <a:t>‹#›</a:t>
             </a:fld>
-            <a:endParaRPr lang="en-GB"/>
+            <a:endParaRPr lang="en-US"/>
           </a:p>
         </p:txBody>
       </p:sp>
     </p:spTree>
     <p:extLst>
       <p:ext uri="{BB962C8B-B14F-4D97-AF65-F5344CB8AC3E}">
-        <p14:creationId xmlns:p14="http://schemas.microsoft.com/office/powerpoint/2010/main" val="1795864194"/>
+        <p14:creationId xmlns:p14="http://schemas.microsoft.com/office/powerpoint/2010/main" val="1652669497"/>
       </p:ext>
     </p:extLst>
   </p:cSld>
@@ -852,48 +904,48 @@
         </p:nvSpPr>
         <p:spPr>
           <a:xfrm>
-            <a:off x="831850" y="1709738"/>
-            <a:ext cx="10515600" cy="2852737"/>
+            <a:off x="722313" y="4406900"/>
+            <a:ext cx="7772400" cy="1362075"/>
           </a:xfrm>
         </p:spPr>
         <p:txBody>
+          <a:bodyPr anchor="t"/>
+          <a:lstStyle>
+            <a:lvl1pPr algn="l">
+              <a:defRPr sz="4000" b="1" cap="all"/>
+            </a:lvl1pPr>
+          </a:lstStyle>
+          <a:p>
+            <a:r>
+              <a:rPr lang="en-US" smtClean="0"/>
+              <a:t>Click to edit Master title style</a:t>
+            </a:r>
+            <a:endParaRPr lang="en-US"/>
+          </a:p>
+        </p:txBody>
+      </p:sp>
+      <p:sp>
+        <p:nvSpPr>
+          <p:cNvPr id="3" name="Text Placeholder 2"/>
+          <p:cNvSpPr>
+            <a:spLocks noGrp="1"/>
+          </p:cNvSpPr>
+          <p:nvPr>
+            <p:ph type="body" idx="1"/>
+          </p:nvPr>
+        </p:nvSpPr>
+        <p:spPr>
+          <a:xfrm>
+            <a:off x="722313" y="2906713"/>
+            <a:ext cx="7772400" cy="1500187"/>
+          </a:xfrm>
+        </p:spPr>
+        <p:txBody>
           <a:bodyPr anchor="b"/>
           <a:lstStyle>
-            <a:lvl1pPr>
-              <a:defRPr sz="6000"/>
-            </a:lvl1pPr>
-          </a:lstStyle>
-          <a:p>
-            <a:r>
-              <a:rPr lang="en-US" smtClean="0"/>
-              <a:t>Click to edit Master title style</a:t>
-            </a:r>
-            <a:endParaRPr lang="en-GB"/>
-          </a:p>
-        </p:txBody>
-      </p:sp>
-      <p:sp>
-        <p:nvSpPr>
-          <p:cNvPr id="3" name="Text Placeholder 2"/>
-          <p:cNvSpPr>
-            <a:spLocks noGrp="1"/>
-          </p:cNvSpPr>
-          <p:nvPr>
-            <p:ph type="body" idx="1"/>
-          </p:nvPr>
-        </p:nvSpPr>
-        <p:spPr>
-          <a:xfrm>
-            <a:off x="831850" y="4589463"/>
-            <a:ext cx="10515600" cy="1500187"/>
-          </a:xfrm>
-        </p:spPr>
-        <p:txBody>
-          <a:bodyPr/>
-          <a:lstStyle>
             <a:lvl1pPr marL="0" indent="0">
               <a:buNone/>
-              <a:defRPr sz="2400">
+              <a:defRPr sz="2000">
                 <a:solidFill>
                   <a:schemeClr val="tx1">
                     <a:tint val="75000"/>
@@ -903,7 +955,7 @@
             </a:lvl1pPr>
             <a:lvl2pPr marL="457200" indent="0">
               <a:buNone/>
-              <a:defRPr sz="2000">
+              <a:defRPr sz="1800">
                 <a:solidFill>
                   <a:schemeClr val="tx1">
                     <a:tint val="75000"/>
@@ -913,7 +965,7 @@
             </a:lvl2pPr>
             <a:lvl3pPr marL="914400" indent="0">
               <a:buNone/>
-              <a:defRPr sz="1800">
+              <a:defRPr sz="1600">
                 <a:solidFill>
                   <a:schemeClr val="tx1">
                     <a:tint val="75000"/>
@@ -923,7 +975,7 @@
             </a:lvl3pPr>
             <a:lvl4pPr marL="1371600" indent="0">
               <a:buNone/>
-              <a:defRPr sz="1600">
+              <a:defRPr sz="1400">
                 <a:solidFill>
                   <a:schemeClr val="tx1">
                     <a:tint val="75000"/>
@@ -933,7 +985,7 @@
             </a:lvl4pPr>
             <a:lvl5pPr marL="1828800" indent="0">
               <a:buNone/>
-              <a:defRPr sz="1600">
+              <a:defRPr sz="1400">
                 <a:solidFill>
                   <a:schemeClr val="tx1">
                     <a:tint val="75000"/>
@@ -943,7 +995,7 @@
             </a:lvl5pPr>
             <a:lvl6pPr marL="2286000" indent="0">
               <a:buNone/>
-              <a:defRPr sz="1600">
+              <a:defRPr sz="1400">
                 <a:solidFill>
                   <a:schemeClr val="tx1">
                     <a:tint val="75000"/>
@@ -953,7 +1005,7 @@
             </a:lvl6pPr>
             <a:lvl7pPr marL="2743200" indent="0">
               <a:buNone/>
-              <a:defRPr sz="1600">
+              <a:defRPr sz="1400">
                 <a:solidFill>
                   <a:schemeClr val="tx1">
                     <a:tint val="75000"/>
@@ -963,7 +1015,7 @@
             </a:lvl7pPr>
             <a:lvl8pPr marL="3200400" indent="0">
               <a:buNone/>
-              <a:defRPr sz="1600">
+              <a:defRPr sz="1400">
                 <a:solidFill>
                   <a:schemeClr val="tx1">
                     <a:tint val="75000"/>
@@ -973,7 +1025,7 @@
             </a:lvl8pPr>
             <a:lvl9pPr marL="3657600" indent="0">
               <a:buNone/>
-              <a:defRPr sz="1600">
+              <a:defRPr sz="1400">
                 <a:solidFill>
                   <a:schemeClr val="tx1">
                     <a:tint val="75000"/>
@@ -1006,11 +1058,11 @@
           <a:bodyPr/>
           <a:lstStyle/>
           <a:p>
-            <a:fld id="{54274EA8-7A87-421B-AF14-C473620709C5}" type="datetimeFigureOut">
-              <a:rPr lang="en-GB" smtClean="0"/>
-              <a:t>15/02/2017</a:t>
+            <a:fld id="{856FCB8A-C10C-4960-9952-BB28643C2B04}" type="datetimeFigureOut">
+              <a:rPr lang="en-US" smtClean="0"/>
+              <a:t>2/19/2017</a:t>
             </a:fld>
-            <a:endParaRPr lang="en-GB"/>
+            <a:endParaRPr lang="en-US"/>
           </a:p>
         </p:txBody>
       </p:sp>
@@ -1029,7 +1081,7 @@
           <a:bodyPr/>
           <a:lstStyle/>
           <a:p>
-            <a:endParaRPr lang="en-GB"/>
+            <a:endParaRPr lang="en-US"/>
           </a:p>
         </p:txBody>
       </p:sp>
@@ -1048,18 +1100,18 @@
           <a:bodyPr/>
           <a:lstStyle/>
           <a:p>
-            <a:fld id="{50C6A630-EC14-41AC-9F48-458A52401F60}" type="slidenum">
-              <a:rPr lang="en-GB" smtClean="0"/>
+            <a:fld id="{27A0E367-D95A-4BA1-AE05-B2B7E9A4CA2D}" type="slidenum">
+              <a:rPr lang="en-US" smtClean="0"/>
               <a:t>‹#›</a:t>
             </a:fld>
-            <a:endParaRPr lang="en-GB"/>
+            <a:endParaRPr lang="en-US"/>
           </a:p>
         </p:txBody>
       </p:sp>
     </p:spTree>
     <p:extLst>
       <p:ext uri="{BB962C8B-B14F-4D97-AF65-F5344CB8AC3E}">
-        <p14:creationId xmlns:p14="http://schemas.microsoft.com/office/powerpoint/2010/main" val="2965726669"/>
+        <p14:creationId xmlns:p14="http://schemas.microsoft.com/office/powerpoint/2010/main" val="1111560311"/>
       </p:ext>
     </p:extLst>
   </p:cSld>
@@ -1105,7 +1157,7 @@
               <a:rPr lang="en-US" smtClean="0"/>
               <a:t>Click to edit Master title style</a:t>
             </a:r>
-            <a:endParaRPr lang="en-GB"/>
+            <a:endParaRPr lang="en-US"/>
           </a:p>
         </p:txBody>
       </p:sp>
@@ -1121,13 +1173,41 @@
         </p:nvSpPr>
         <p:spPr>
           <a:xfrm>
-            <a:off x="838200" y="1825625"/>
-            <a:ext cx="5181600" cy="4351338"/>
+            <a:off x="457200" y="1600200"/>
+            <a:ext cx="4038600" cy="4525963"/>
           </a:xfrm>
         </p:spPr>
         <p:txBody>
           <a:bodyPr/>
-          <a:lstStyle/>
+          <a:lstStyle>
+            <a:lvl1pPr>
+              <a:defRPr sz="2800"/>
+            </a:lvl1pPr>
+            <a:lvl2pPr>
+              <a:defRPr sz="2400"/>
+            </a:lvl2pPr>
+            <a:lvl3pPr>
+              <a:defRPr sz="2000"/>
+            </a:lvl3pPr>
+            <a:lvl4pPr>
+              <a:defRPr sz="1800"/>
+            </a:lvl4pPr>
+            <a:lvl5pPr>
+              <a:defRPr sz="1800"/>
+            </a:lvl5pPr>
+            <a:lvl6pPr>
+              <a:defRPr sz="1800"/>
+            </a:lvl6pPr>
+            <a:lvl7pPr>
+              <a:defRPr sz="1800"/>
+            </a:lvl7pPr>
+            <a:lvl8pPr>
+              <a:defRPr sz="1800"/>
+            </a:lvl8pPr>
+            <a:lvl9pPr>
+              <a:defRPr sz="1800"/>
+            </a:lvl9pPr>
+          </a:lstStyle>
           <a:p>
             <a:pPr lvl="0"/>
             <a:r>
@@ -1162,7 +1242,7 @@
               <a:rPr lang="en-US" smtClean="0"/>
               <a:t>Fifth level</a:t>
             </a:r>
-            <a:endParaRPr lang="en-GB"/>
+            <a:endParaRPr lang="en-US"/>
           </a:p>
         </p:txBody>
       </p:sp>
@@ -1178,13 +1258,41 @@
         </p:nvSpPr>
         <p:spPr>
           <a:xfrm>
-            <a:off x="6172200" y="1825625"/>
-            <a:ext cx="5181600" cy="4351338"/>
+            <a:off x="4648200" y="1600200"/>
+            <a:ext cx="4038600" cy="4525963"/>
           </a:xfrm>
         </p:spPr>
         <p:txBody>
           <a:bodyPr/>
-          <a:lstStyle/>
+          <a:lstStyle>
+            <a:lvl1pPr>
+              <a:defRPr sz="2800"/>
+            </a:lvl1pPr>
+            <a:lvl2pPr>
+              <a:defRPr sz="2400"/>
+            </a:lvl2pPr>
+            <a:lvl3pPr>
+              <a:defRPr sz="2000"/>
+            </a:lvl3pPr>
+            <a:lvl4pPr>
+              <a:defRPr sz="1800"/>
+            </a:lvl4pPr>
+            <a:lvl5pPr>
+              <a:defRPr sz="1800"/>
+            </a:lvl5pPr>
+            <a:lvl6pPr>
+              <a:defRPr sz="1800"/>
+            </a:lvl6pPr>
+            <a:lvl7pPr>
+              <a:defRPr sz="1800"/>
+            </a:lvl7pPr>
+            <a:lvl8pPr>
+              <a:defRPr sz="1800"/>
+            </a:lvl8pPr>
+            <a:lvl9pPr>
+              <a:defRPr sz="1800"/>
+            </a:lvl9pPr>
+          </a:lstStyle>
           <a:p>
             <a:pPr lvl="0"/>
             <a:r>
@@ -1219,7 +1327,7 @@
               <a:rPr lang="en-US" smtClean="0"/>
               <a:t>Fifth level</a:t>
             </a:r>
-            <a:endParaRPr lang="en-GB"/>
+            <a:endParaRPr lang="en-US"/>
           </a:p>
         </p:txBody>
       </p:sp>
@@ -1238,11 +1346,11 @@
           <a:bodyPr/>
           <a:lstStyle/>
           <a:p>
-            <a:fld id="{54274EA8-7A87-421B-AF14-C473620709C5}" type="datetimeFigureOut">
-              <a:rPr lang="en-GB" smtClean="0"/>
-              <a:t>15/02/2017</a:t>
+            <a:fld id="{856FCB8A-C10C-4960-9952-BB28643C2B04}" type="datetimeFigureOut">
+              <a:rPr lang="en-US" smtClean="0"/>
+              <a:t>2/19/2017</a:t>
             </a:fld>
-            <a:endParaRPr lang="en-GB"/>
+            <a:endParaRPr lang="en-US"/>
           </a:p>
         </p:txBody>
       </p:sp>
@@ -1261,7 +1369,7 @@
           <a:bodyPr/>
           <a:lstStyle/>
           <a:p>
-            <a:endParaRPr lang="en-GB"/>
+            <a:endParaRPr lang="en-US"/>
           </a:p>
         </p:txBody>
       </p:sp>
@@ -1280,18 +1388,18 @@
           <a:bodyPr/>
           <a:lstStyle/>
           <a:p>
-            <a:fld id="{50C6A630-EC14-41AC-9F48-458A52401F60}" type="slidenum">
-              <a:rPr lang="en-GB" smtClean="0"/>
+            <a:fld id="{27A0E367-D95A-4BA1-AE05-B2B7E9A4CA2D}" type="slidenum">
+              <a:rPr lang="en-US" smtClean="0"/>
               <a:t>‹#›</a:t>
             </a:fld>
-            <a:endParaRPr lang="en-GB"/>
+            <a:endParaRPr lang="en-US"/>
           </a:p>
         </p:txBody>
       </p:sp>
     </p:spTree>
     <p:extLst>
       <p:ext uri="{BB962C8B-B14F-4D97-AF65-F5344CB8AC3E}">
-        <p14:creationId xmlns:p14="http://schemas.microsoft.com/office/powerpoint/2010/main" val="2991878654"/>
+        <p14:creationId xmlns:p14="http://schemas.microsoft.com/office/powerpoint/2010/main" val="398047205"/>
       </p:ext>
     </p:extLst>
   </p:cSld>
@@ -1328,38 +1436,37 @@
             <p:ph type="title"/>
           </p:nvPr>
         </p:nvSpPr>
+        <p:spPr/>
+        <p:txBody>
+          <a:bodyPr/>
+          <a:lstStyle>
+            <a:lvl1pPr>
+              <a:defRPr/>
+            </a:lvl1pPr>
+          </a:lstStyle>
+          <a:p>
+            <a:r>
+              <a:rPr lang="en-US" smtClean="0"/>
+              <a:t>Click to edit Master title style</a:t>
+            </a:r>
+            <a:endParaRPr lang="en-US"/>
+          </a:p>
+        </p:txBody>
+      </p:sp>
+      <p:sp>
+        <p:nvSpPr>
+          <p:cNvPr id="3" name="Text Placeholder 2"/>
+          <p:cNvSpPr>
+            <a:spLocks noGrp="1"/>
+          </p:cNvSpPr>
+          <p:nvPr>
+            <p:ph type="body" idx="1"/>
+          </p:nvPr>
+        </p:nvSpPr>
         <p:spPr>
           <a:xfrm>
-            <a:off x="839788" y="365125"/>
-            <a:ext cx="10515600" cy="1325563"/>
-          </a:xfrm>
-        </p:spPr>
-        <p:txBody>
-          <a:bodyPr/>
-          <a:lstStyle/>
-          <a:p>
-            <a:r>
-              <a:rPr lang="en-US" smtClean="0"/>
-              <a:t>Click to edit Master title style</a:t>
-            </a:r>
-            <a:endParaRPr lang="en-GB"/>
-          </a:p>
-        </p:txBody>
-      </p:sp>
-      <p:sp>
-        <p:nvSpPr>
-          <p:cNvPr id="3" name="Text Placeholder 2"/>
-          <p:cNvSpPr>
-            <a:spLocks noGrp="1"/>
-          </p:cNvSpPr>
-          <p:nvPr>
-            <p:ph type="body" idx="1"/>
-          </p:nvPr>
-        </p:nvSpPr>
-        <p:spPr>
-          <a:xfrm>
-            <a:off x="839788" y="1681163"/>
-            <a:ext cx="5157787" cy="823912"/>
+            <a:off x="457200" y="1535113"/>
+            <a:ext cx="4040188" cy="639762"/>
           </a:xfrm>
         </p:spPr>
         <p:txBody>
@@ -1423,13 +1530,41 @@
         </p:nvSpPr>
         <p:spPr>
           <a:xfrm>
-            <a:off x="839788" y="2505075"/>
-            <a:ext cx="5157787" cy="3684588"/>
+            <a:off x="457200" y="2174875"/>
+            <a:ext cx="4040188" cy="3951288"/>
           </a:xfrm>
         </p:spPr>
         <p:txBody>
           <a:bodyPr/>
-          <a:lstStyle/>
+          <a:lstStyle>
+            <a:lvl1pPr>
+              <a:defRPr sz="2400"/>
+            </a:lvl1pPr>
+            <a:lvl2pPr>
+              <a:defRPr sz="2000"/>
+            </a:lvl2pPr>
+            <a:lvl3pPr>
+              <a:defRPr sz="1800"/>
+            </a:lvl3pPr>
+            <a:lvl4pPr>
+              <a:defRPr sz="1600"/>
+            </a:lvl4pPr>
+            <a:lvl5pPr>
+              <a:defRPr sz="1600"/>
+            </a:lvl5pPr>
+            <a:lvl6pPr>
+              <a:defRPr sz="1600"/>
+            </a:lvl6pPr>
+            <a:lvl7pPr>
+              <a:defRPr sz="1600"/>
+            </a:lvl7pPr>
+            <a:lvl8pPr>
+              <a:defRPr sz="1600"/>
+            </a:lvl8pPr>
+            <a:lvl9pPr>
+              <a:defRPr sz="1600"/>
+            </a:lvl9pPr>
+          </a:lstStyle>
           <a:p>
             <a:pPr lvl="0"/>
             <a:r>
@@ -1464,7 +1599,7 @@
               <a:rPr lang="en-US" smtClean="0"/>
               <a:t>Fifth level</a:t>
             </a:r>
-            <a:endParaRPr lang="en-GB"/>
+            <a:endParaRPr lang="en-US"/>
           </a:p>
         </p:txBody>
       </p:sp>
@@ -1480,8 +1615,8 @@
         </p:nvSpPr>
         <p:spPr>
           <a:xfrm>
-            <a:off x="6172200" y="1681163"/>
-            <a:ext cx="5183188" cy="823912"/>
+            <a:off x="4645025" y="1535113"/>
+            <a:ext cx="4041775" cy="639762"/>
           </a:xfrm>
         </p:spPr>
         <p:txBody>
@@ -1545,13 +1680,41 @@
         </p:nvSpPr>
         <p:spPr>
           <a:xfrm>
-            <a:off x="6172200" y="2505075"/>
-            <a:ext cx="5183188" cy="3684588"/>
+            <a:off x="4645025" y="2174875"/>
+            <a:ext cx="4041775" cy="3951288"/>
           </a:xfrm>
         </p:spPr>
         <p:txBody>
           <a:bodyPr/>
-          <a:lstStyle/>
+          <a:lstStyle>
+            <a:lvl1pPr>
+              <a:defRPr sz="2400"/>
+            </a:lvl1pPr>
+            <a:lvl2pPr>
+              <a:defRPr sz="2000"/>
+            </a:lvl2pPr>
+            <a:lvl3pPr>
+              <a:defRPr sz="1800"/>
+            </a:lvl3pPr>
+            <a:lvl4pPr>
+              <a:defRPr sz="1600"/>
+            </a:lvl4pPr>
+            <a:lvl5pPr>
+              <a:defRPr sz="1600"/>
+            </a:lvl5pPr>
+            <a:lvl6pPr>
+              <a:defRPr sz="1600"/>
+            </a:lvl6pPr>
+            <a:lvl7pPr>
+              <a:defRPr sz="1600"/>
+            </a:lvl7pPr>
+            <a:lvl8pPr>
+              <a:defRPr sz="1600"/>
+            </a:lvl8pPr>
+            <a:lvl9pPr>
+              <a:defRPr sz="1600"/>
+            </a:lvl9pPr>
+          </a:lstStyle>
           <a:p>
             <a:pPr lvl="0"/>
             <a:r>
@@ -1586,7 +1749,7 @@
               <a:rPr lang="en-US" smtClean="0"/>
               <a:t>Fifth level</a:t>
             </a:r>
-            <a:endParaRPr lang="en-GB"/>
+            <a:endParaRPr lang="en-US"/>
           </a:p>
         </p:txBody>
       </p:sp>
@@ -1605,11 +1768,11 @@
           <a:bodyPr/>
           <a:lstStyle/>
           <a:p>
-            <a:fld id="{54274EA8-7A87-421B-AF14-C473620709C5}" type="datetimeFigureOut">
-              <a:rPr lang="en-GB" smtClean="0"/>
-              <a:t>15/02/2017</a:t>
+            <a:fld id="{856FCB8A-C10C-4960-9952-BB28643C2B04}" type="datetimeFigureOut">
+              <a:rPr lang="en-US" smtClean="0"/>
+              <a:t>2/19/2017</a:t>
             </a:fld>
-            <a:endParaRPr lang="en-GB"/>
+            <a:endParaRPr lang="en-US"/>
           </a:p>
         </p:txBody>
       </p:sp>
@@ -1628,7 +1791,7 @@
           <a:bodyPr/>
           <a:lstStyle/>
           <a:p>
-            <a:endParaRPr lang="en-GB"/>
+            <a:endParaRPr lang="en-US"/>
           </a:p>
         </p:txBody>
       </p:sp>
@@ -1647,18 +1810,18 @@
           <a:bodyPr/>
           <a:lstStyle/>
           <a:p>
-            <a:fld id="{50C6A630-EC14-41AC-9F48-458A52401F60}" type="slidenum">
-              <a:rPr lang="en-GB" smtClean="0"/>
+            <a:fld id="{27A0E367-D95A-4BA1-AE05-B2B7E9A4CA2D}" type="slidenum">
+              <a:rPr lang="en-US" smtClean="0"/>
               <a:t>‹#›</a:t>
             </a:fld>
-            <a:endParaRPr lang="en-GB"/>
+            <a:endParaRPr lang="en-US"/>
           </a:p>
         </p:txBody>
       </p:sp>
     </p:spTree>
     <p:extLst>
       <p:ext uri="{BB962C8B-B14F-4D97-AF65-F5344CB8AC3E}">
-        <p14:creationId xmlns:p14="http://schemas.microsoft.com/office/powerpoint/2010/main" val="1379139498"/>
+        <p14:creationId xmlns:p14="http://schemas.microsoft.com/office/powerpoint/2010/main" val="659881711"/>
       </p:ext>
     </p:extLst>
   </p:cSld>
@@ -1704,7 +1867,7 @@
               <a:rPr lang="en-US" smtClean="0"/>
               <a:t>Click to edit Master title style</a:t>
             </a:r>
-            <a:endParaRPr lang="en-GB"/>
+            <a:endParaRPr lang="en-US"/>
           </a:p>
         </p:txBody>
       </p:sp>
@@ -1723,11 +1886,11 @@
           <a:bodyPr/>
           <a:lstStyle/>
           <a:p>
-            <a:fld id="{54274EA8-7A87-421B-AF14-C473620709C5}" type="datetimeFigureOut">
-              <a:rPr lang="en-GB" smtClean="0"/>
-              <a:t>15/02/2017</a:t>
+            <a:fld id="{856FCB8A-C10C-4960-9952-BB28643C2B04}" type="datetimeFigureOut">
+              <a:rPr lang="en-US" smtClean="0"/>
+              <a:t>2/19/2017</a:t>
             </a:fld>
-            <a:endParaRPr lang="en-GB"/>
+            <a:endParaRPr lang="en-US"/>
           </a:p>
         </p:txBody>
       </p:sp>
@@ -1746,7 +1909,7 @@
           <a:bodyPr/>
           <a:lstStyle/>
           <a:p>
-            <a:endParaRPr lang="en-GB"/>
+            <a:endParaRPr lang="en-US"/>
           </a:p>
         </p:txBody>
       </p:sp>
@@ -1765,18 +1928,18 @@
           <a:bodyPr/>
           <a:lstStyle/>
           <a:p>
-            <a:fld id="{50C6A630-EC14-41AC-9F48-458A52401F60}" type="slidenum">
-              <a:rPr lang="en-GB" smtClean="0"/>
+            <a:fld id="{27A0E367-D95A-4BA1-AE05-B2B7E9A4CA2D}" type="slidenum">
+              <a:rPr lang="en-US" smtClean="0"/>
               <a:t>‹#›</a:t>
             </a:fld>
-            <a:endParaRPr lang="en-GB"/>
+            <a:endParaRPr lang="en-US"/>
           </a:p>
         </p:txBody>
       </p:sp>
     </p:spTree>
     <p:extLst>
       <p:ext uri="{BB962C8B-B14F-4D97-AF65-F5344CB8AC3E}">
-        <p14:creationId xmlns:p14="http://schemas.microsoft.com/office/powerpoint/2010/main" val="191508767"/>
+        <p14:creationId xmlns:p14="http://schemas.microsoft.com/office/powerpoint/2010/main" val="904525285"/>
       </p:ext>
     </p:extLst>
   </p:cSld>
@@ -1818,11 +1981,11 @@
           <a:bodyPr/>
           <a:lstStyle/>
           <a:p>
-            <a:fld id="{54274EA8-7A87-421B-AF14-C473620709C5}" type="datetimeFigureOut">
-              <a:rPr lang="en-GB" smtClean="0"/>
-              <a:t>15/02/2017</a:t>
+            <a:fld id="{856FCB8A-C10C-4960-9952-BB28643C2B04}" type="datetimeFigureOut">
+              <a:rPr lang="en-US" smtClean="0"/>
+              <a:t>2/19/2017</a:t>
             </a:fld>
-            <a:endParaRPr lang="en-GB"/>
+            <a:endParaRPr lang="en-US"/>
           </a:p>
         </p:txBody>
       </p:sp>
@@ -1841,7 +2004,7 @@
           <a:bodyPr/>
           <a:lstStyle/>
           <a:p>
-            <a:endParaRPr lang="en-GB"/>
+            <a:endParaRPr lang="en-US"/>
           </a:p>
         </p:txBody>
       </p:sp>
@@ -1860,18 +2023,18 @@
           <a:bodyPr/>
           <a:lstStyle/>
           <a:p>
-            <a:fld id="{50C6A630-EC14-41AC-9F48-458A52401F60}" type="slidenum">
-              <a:rPr lang="en-GB" smtClean="0"/>
+            <a:fld id="{27A0E367-D95A-4BA1-AE05-B2B7E9A4CA2D}" type="slidenum">
+              <a:rPr lang="en-US" smtClean="0"/>
               <a:t>‹#›</a:t>
             </a:fld>
-            <a:endParaRPr lang="en-GB"/>
+            <a:endParaRPr lang="en-US"/>
           </a:p>
         </p:txBody>
       </p:sp>
     </p:spTree>
     <p:extLst>
       <p:ext uri="{BB962C8B-B14F-4D97-AF65-F5344CB8AC3E}">
-        <p14:creationId xmlns:p14="http://schemas.microsoft.com/office/powerpoint/2010/main" val="387307043"/>
+        <p14:creationId xmlns:p14="http://schemas.microsoft.com/office/powerpoint/2010/main" val="153460379"/>
       </p:ext>
     </p:extLst>
   </p:cSld>
@@ -1910,15 +2073,15 @@
         </p:nvSpPr>
         <p:spPr>
           <a:xfrm>
-            <a:off x="839788" y="457200"/>
-            <a:ext cx="3932237" cy="1600200"/>
+            <a:off x="457200" y="273050"/>
+            <a:ext cx="3008313" cy="1162050"/>
           </a:xfrm>
         </p:spPr>
         <p:txBody>
           <a:bodyPr anchor="b"/>
           <a:lstStyle>
-            <a:lvl1pPr>
-              <a:defRPr sz="3200"/>
+            <a:lvl1pPr algn="l">
+              <a:defRPr sz="2000" b="1"/>
             </a:lvl1pPr>
           </a:lstStyle>
           <a:p>
@@ -1926,7 +2089,7 @@
               <a:rPr lang="en-US" smtClean="0"/>
               <a:t>Click to edit Master title style</a:t>
             </a:r>
-            <a:endParaRPr lang="en-GB"/>
+            <a:endParaRPr lang="en-US"/>
           </a:p>
         </p:txBody>
       </p:sp>
@@ -1942,8 +2105,8 @@
         </p:nvSpPr>
         <p:spPr>
           <a:xfrm>
-            <a:off x="5183188" y="987425"/>
-            <a:ext cx="6172200" cy="4873625"/>
+            <a:off x="3575050" y="273050"/>
+            <a:ext cx="5111750" cy="5853113"/>
           </a:xfrm>
         </p:spPr>
         <p:txBody>
@@ -2011,7 +2174,7 @@
               <a:rPr lang="en-US" smtClean="0"/>
               <a:t>Fifth level</a:t>
             </a:r>
-            <a:endParaRPr lang="en-GB"/>
+            <a:endParaRPr lang="en-US"/>
           </a:p>
         </p:txBody>
       </p:sp>
@@ -2027,8 +2190,8 @@
         </p:nvSpPr>
         <p:spPr>
           <a:xfrm>
-            <a:off x="839788" y="2057400"/>
-            <a:ext cx="3932237" cy="3811588"/>
+            <a:off x="457200" y="1435100"/>
+            <a:ext cx="3008313" cy="4691063"/>
           </a:xfrm>
         </p:spPr>
         <p:txBody>
@@ -2036,39 +2199,39 @@
           <a:lstStyle>
             <a:lvl1pPr marL="0" indent="0">
               <a:buNone/>
-              <a:defRPr sz="1600"/>
+              <a:defRPr sz="1400"/>
             </a:lvl1pPr>
             <a:lvl2pPr marL="457200" indent="0">
               <a:buNone/>
-              <a:defRPr sz="1400"/>
+              <a:defRPr sz="1200"/>
             </a:lvl2pPr>
             <a:lvl3pPr marL="914400" indent="0">
               <a:buNone/>
-              <a:defRPr sz="1200"/>
+              <a:defRPr sz="1000"/>
             </a:lvl3pPr>
             <a:lvl4pPr marL="1371600" indent="0">
               <a:buNone/>
-              <a:defRPr sz="1000"/>
+              <a:defRPr sz="900"/>
             </a:lvl4pPr>
             <a:lvl5pPr marL="1828800" indent="0">
               <a:buNone/>
-              <a:defRPr sz="1000"/>
+              <a:defRPr sz="900"/>
             </a:lvl5pPr>
             <a:lvl6pPr marL="2286000" indent="0">
               <a:buNone/>
-              <a:defRPr sz="1000"/>
+              <a:defRPr sz="900"/>
             </a:lvl6pPr>
             <a:lvl7pPr marL="2743200" indent="0">
               <a:buNone/>
-              <a:defRPr sz="1000"/>
+              <a:defRPr sz="900"/>
             </a:lvl7pPr>
             <a:lvl8pPr marL="3200400" indent="0">
               <a:buNone/>
-              <a:defRPr sz="1000"/>
+              <a:defRPr sz="900"/>
             </a:lvl8pPr>
             <a:lvl9pPr marL="3657600" indent="0">
               <a:buNone/>
-              <a:defRPr sz="1000"/>
+              <a:defRPr sz="900"/>
             </a:lvl9pPr>
           </a:lstStyle>
           <a:p>
@@ -2095,11 +2258,11 @@
           <a:bodyPr/>
           <a:lstStyle/>
           <a:p>
-            <a:fld id="{54274EA8-7A87-421B-AF14-C473620709C5}" type="datetimeFigureOut">
-              <a:rPr lang="en-GB" smtClean="0"/>
-              <a:t>15/02/2017</a:t>
+            <a:fld id="{856FCB8A-C10C-4960-9952-BB28643C2B04}" type="datetimeFigureOut">
+              <a:rPr lang="en-US" smtClean="0"/>
+              <a:t>2/19/2017</a:t>
             </a:fld>
-            <a:endParaRPr lang="en-GB"/>
+            <a:endParaRPr lang="en-US"/>
           </a:p>
         </p:txBody>
       </p:sp>
@@ -2118,7 +2281,7 @@
           <a:bodyPr/>
           <a:lstStyle/>
           <a:p>
-            <a:endParaRPr lang="en-GB"/>
+            <a:endParaRPr lang="en-US"/>
           </a:p>
         </p:txBody>
       </p:sp>
@@ -2137,18 +2300,18 @@
           <a:bodyPr/>
           <a:lstStyle/>
           <a:p>
-            <a:fld id="{50C6A630-EC14-41AC-9F48-458A52401F60}" type="slidenum">
-              <a:rPr lang="en-GB" smtClean="0"/>
+            <a:fld id="{27A0E367-D95A-4BA1-AE05-B2B7E9A4CA2D}" type="slidenum">
+              <a:rPr lang="en-US" smtClean="0"/>
               <a:t>‹#›</a:t>
             </a:fld>
-            <a:endParaRPr lang="en-GB"/>
+            <a:endParaRPr lang="en-US"/>
           </a:p>
         </p:txBody>
       </p:sp>
     </p:spTree>
     <p:extLst>
       <p:ext uri="{BB962C8B-B14F-4D97-AF65-F5344CB8AC3E}">
-        <p14:creationId xmlns:p14="http://schemas.microsoft.com/office/powerpoint/2010/main" val="3738853787"/>
+        <p14:creationId xmlns:p14="http://schemas.microsoft.com/office/powerpoint/2010/main" val="3822775793"/>
       </p:ext>
     </p:extLst>
   </p:cSld>
@@ -2187,15 +2350,15 @@
         </p:nvSpPr>
         <p:spPr>
           <a:xfrm>
-            <a:off x="839788" y="457200"/>
-            <a:ext cx="3932237" cy="1600200"/>
+            <a:off x="1792288" y="4800600"/>
+            <a:ext cx="5486400" cy="566738"/>
           </a:xfrm>
         </p:spPr>
         <p:txBody>
           <a:bodyPr anchor="b"/>
           <a:lstStyle>
-            <a:lvl1pPr>
-              <a:defRPr sz="3200"/>
+            <a:lvl1pPr algn="l">
+              <a:defRPr sz="2000" b="1"/>
             </a:lvl1pPr>
           </a:lstStyle>
           <a:p>
@@ -2203,7 +2366,7 @@
               <a:rPr lang="en-US" smtClean="0"/>
               <a:t>Click to edit Master title style</a:t>
             </a:r>
-            <a:endParaRPr lang="en-GB"/>
+            <a:endParaRPr lang="en-US"/>
           </a:p>
         </p:txBody>
       </p:sp>
@@ -2219,8 +2382,8 @@
         </p:nvSpPr>
         <p:spPr>
           <a:xfrm>
-            <a:off x="5183188" y="987425"/>
-            <a:ext cx="6172200" cy="4873625"/>
+            <a:off x="1792288" y="612775"/>
+            <a:ext cx="5486400" cy="4114800"/>
           </a:xfrm>
         </p:spPr>
         <p:txBody>
@@ -2264,7 +2427,7 @@
             </a:lvl9pPr>
           </a:lstStyle>
           <a:p>
-            <a:endParaRPr lang="en-GB"/>
+            <a:endParaRPr lang="en-US"/>
           </a:p>
         </p:txBody>
       </p:sp>
@@ -2280,8 +2443,8 @@
         </p:nvSpPr>
         <p:spPr>
           <a:xfrm>
-            <a:off x="839788" y="2057400"/>
-            <a:ext cx="3932237" cy="3811588"/>
+            <a:off x="1792288" y="5367338"/>
+            <a:ext cx="5486400" cy="804862"/>
           </a:xfrm>
         </p:spPr>
         <p:txBody>
@@ -2289,39 +2452,39 @@
           <a:lstStyle>
             <a:lvl1pPr marL="0" indent="0">
               <a:buNone/>
-              <a:defRPr sz="1600"/>
+              <a:defRPr sz="1400"/>
             </a:lvl1pPr>
             <a:lvl2pPr marL="457200" indent="0">
               <a:buNone/>
-              <a:defRPr sz="1400"/>
+              <a:defRPr sz="1200"/>
             </a:lvl2pPr>
             <a:lvl3pPr marL="914400" indent="0">
               <a:buNone/>
-              <a:defRPr sz="1200"/>
+              <a:defRPr sz="1000"/>
             </a:lvl3pPr>
             <a:lvl4pPr marL="1371600" indent="0">
               <a:buNone/>
-              <a:defRPr sz="1000"/>
+              <a:defRPr sz="900"/>
             </a:lvl4pPr>
             <a:lvl5pPr marL="1828800" indent="0">
               <a:buNone/>
-              <a:defRPr sz="1000"/>
+              <a:defRPr sz="900"/>
             </a:lvl5pPr>
             <a:lvl6pPr marL="2286000" indent="0">
               <a:buNone/>
-              <a:defRPr sz="1000"/>
+              <a:defRPr sz="900"/>
             </a:lvl6pPr>
             <a:lvl7pPr marL="2743200" indent="0">
               <a:buNone/>
-              <a:defRPr sz="1000"/>
+              <a:defRPr sz="900"/>
             </a:lvl7pPr>
             <a:lvl8pPr marL="3200400" indent="0">
               <a:buNone/>
-              <a:defRPr sz="1000"/>
+              <a:defRPr sz="900"/>
             </a:lvl8pPr>
             <a:lvl9pPr marL="3657600" indent="0">
               <a:buNone/>
-              <a:defRPr sz="1000"/>
+              <a:defRPr sz="900"/>
             </a:lvl9pPr>
           </a:lstStyle>
           <a:p>
@@ -2348,11 +2511,11 @@
           <a:bodyPr/>
           <a:lstStyle/>
           <a:p>
-            <a:fld id="{54274EA8-7A87-421B-AF14-C473620709C5}" type="datetimeFigureOut">
-              <a:rPr lang="en-GB" smtClean="0"/>
-              <a:t>15/02/2017</a:t>
+            <a:fld id="{856FCB8A-C10C-4960-9952-BB28643C2B04}" type="datetimeFigureOut">
+              <a:rPr lang="en-US" smtClean="0"/>
+              <a:t>2/19/2017</a:t>
             </a:fld>
-            <a:endParaRPr lang="en-GB"/>
+            <a:endParaRPr lang="en-US"/>
           </a:p>
         </p:txBody>
       </p:sp>
@@ -2371,7 +2534,7 @@
           <a:bodyPr/>
           <a:lstStyle/>
           <a:p>
-            <a:endParaRPr lang="en-GB"/>
+            <a:endParaRPr lang="en-US"/>
           </a:p>
         </p:txBody>
       </p:sp>
@@ -2390,18 +2553,18 @@
           <a:bodyPr/>
           <a:lstStyle/>
           <a:p>
-            <a:fld id="{50C6A630-EC14-41AC-9F48-458A52401F60}" type="slidenum">
-              <a:rPr lang="en-GB" smtClean="0"/>
+            <a:fld id="{27A0E367-D95A-4BA1-AE05-B2B7E9A4CA2D}" type="slidenum">
+              <a:rPr lang="en-US" smtClean="0"/>
               <a:t>‹#›</a:t>
             </a:fld>
-            <a:endParaRPr lang="en-GB"/>
+            <a:endParaRPr lang="en-US"/>
           </a:p>
         </p:txBody>
       </p:sp>
     </p:spTree>
     <p:extLst>
       <p:ext uri="{BB962C8B-B14F-4D97-AF65-F5344CB8AC3E}">
-        <p14:creationId xmlns:p14="http://schemas.microsoft.com/office/powerpoint/2010/main" val="2610139089"/>
+        <p14:creationId xmlns:p14="http://schemas.microsoft.com/office/powerpoint/2010/main" val="4253379661"/>
       </p:ext>
     </p:extLst>
   </p:cSld>
@@ -2445,8 +2608,8 @@
         </p:nvSpPr>
         <p:spPr>
           <a:xfrm>
-            <a:off x="838200" y="365125"/>
-            <a:ext cx="10515600" cy="1325563"/>
+            <a:off x="457200" y="274638"/>
+            <a:ext cx="8229600" cy="1143000"/>
           </a:xfrm>
           <a:prstGeom prst="rect">
             <a:avLst/>
@@ -2462,7 +2625,7 @@
               <a:rPr lang="en-US" smtClean="0"/>
               <a:t>Click to edit Master title style</a:t>
             </a:r>
-            <a:endParaRPr lang="en-GB"/>
+            <a:endParaRPr lang="en-US"/>
           </a:p>
         </p:txBody>
       </p:sp>
@@ -2478,8 +2641,8 @@
         </p:nvSpPr>
         <p:spPr>
           <a:xfrm>
-            <a:off x="838200" y="1825625"/>
-            <a:ext cx="10515600" cy="4351338"/>
+            <a:off x="457200" y="1600200"/>
+            <a:ext cx="8229600" cy="4525963"/>
           </a:xfrm>
           <a:prstGeom prst="rect">
             <a:avLst/>
@@ -2524,7 +2687,7 @@
               <a:rPr lang="en-US" smtClean="0"/>
               <a:t>Fifth level</a:t>
             </a:r>
-            <a:endParaRPr lang="en-GB"/>
+            <a:endParaRPr lang="en-US"/>
           </a:p>
         </p:txBody>
       </p:sp>
@@ -2540,8 +2703,8 @@
         </p:nvSpPr>
         <p:spPr>
           <a:xfrm>
-            <a:off x="838200" y="6356350"/>
-            <a:ext cx="2743200" cy="365125"/>
+            <a:off x="457200" y="6356350"/>
+            <a:ext cx="2133600" cy="365125"/>
           </a:xfrm>
           <a:prstGeom prst="rect">
             <a:avLst/>
@@ -2561,11 +2724,11 @@
             </a:lvl1pPr>
           </a:lstStyle>
           <a:p>
-            <a:fld id="{54274EA8-7A87-421B-AF14-C473620709C5}" type="datetimeFigureOut">
-              <a:rPr lang="en-GB" smtClean="0"/>
-              <a:t>15/02/2017</a:t>
+            <a:fld id="{856FCB8A-C10C-4960-9952-BB28643C2B04}" type="datetimeFigureOut">
+              <a:rPr lang="en-US" smtClean="0"/>
+              <a:t>2/19/2017</a:t>
             </a:fld>
-            <a:endParaRPr lang="en-GB"/>
+            <a:endParaRPr lang="en-US"/>
           </a:p>
         </p:txBody>
       </p:sp>
@@ -2581,8 +2744,8 @@
         </p:nvSpPr>
         <p:spPr>
           <a:xfrm>
-            <a:off x="4038600" y="6356350"/>
-            <a:ext cx="4114800" cy="365125"/>
+            <a:off x="3124200" y="6356350"/>
+            <a:ext cx="2895600" cy="365125"/>
           </a:xfrm>
           <a:prstGeom prst="rect">
             <a:avLst/>
@@ -2602,7 +2765,7 @@
             </a:lvl1pPr>
           </a:lstStyle>
           <a:p>
-            <a:endParaRPr lang="en-GB"/>
+            <a:endParaRPr lang="en-US"/>
           </a:p>
         </p:txBody>
       </p:sp>
@@ -2618,8 +2781,8 @@
         </p:nvSpPr>
         <p:spPr>
           <a:xfrm>
-            <a:off x="8610600" y="6356350"/>
-            <a:ext cx="2743200" cy="365125"/>
+            <a:off x="6553200" y="6356350"/>
+            <a:ext cx="2133600" cy="365125"/>
           </a:xfrm>
           <a:prstGeom prst="rect">
             <a:avLst/>
@@ -2639,18 +2802,18 @@
             </a:lvl1pPr>
           </a:lstStyle>
           <a:p>
-            <a:fld id="{50C6A630-EC14-41AC-9F48-458A52401F60}" type="slidenum">
-              <a:rPr lang="en-GB" smtClean="0"/>
+            <a:fld id="{27A0E367-D95A-4BA1-AE05-B2B7E9A4CA2D}" type="slidenum">
+              <a:rPr lang="en-US" smtClean="0"/>
               <a:t>‹#›</a:t>
             </a:fld>
-            <a:endParaRPr lang="en-GB"/>
+            <a:endParaRPr lang="en-US"/>
           </a:p>
         </p:txBody>
       </p:sp>
     </p:spTree>
     <p:extLst>
       <p:ext uri="{BB962C8B-B14F-4D97-AF65-F5344CB8AC3E}">
-        <p14:creationId xmlns:p14="http://schemas.microsoft.com/office/powerpoint/2010/main" val="1699848101"/>
+        <p14:creationId xmlns:p14="http://schemas.microsoft.com/office/powerpoint/2010/main" val="761017260"/>
       </p:ext>
     </p:extLst>
   </p:cSld>
@@ -2670,10 +2833,7 @@
   </p:sldLayoutIdLst>
   <p:txStyles>
     <p:titleStyle>
-      <a:lvl1pPr algn="l" defTabSz="914400" rtl="0" eaLnBrk="1" latinLnBrk="0" hangingPunct="1">
-        <a:lnSpc>
-          <a:spcPct val="90000"/>
-        </a:lnSpc>
+      <a:lvl1pPr algn="ctr" defTabSz="914400" rtl="0" eaLnBrk="1" latinLnBrk="0" hangingPunct="1">
         <a:spcBef>
           <a:spcPct val="0"/>
         </a:spcBef>
@@ -2689,15 +2849,27 @@
       </a:lvl1pPr>
     </p:titleStyle>
     <p:bodyStyle>
-      <a:lvl1pPr marL="228600" indent="-228600" algn="l" defTabSz="914400" rtl="0" eaLnBrk="1" latinLnBrk="0" hangingPunct="1">
-        <a:lnSpc>
-          <a:spcPct val="90000"/>
-        </a:lnSpc>
+      <a:lvl1pPr marL="342900" indent="-342900" algn="l" defTabSz="914400" rtl="0" eaLnBrk="1" latinLnBrk="0" hangingPunct="1">
         <a:spcBef>
-          <a:spcPts val="1000"/>
+          <a:spcPct val="20000"/>
         </a:spcBef>
-        <a:buFont typeface="Arial" panose="020B0604020202020204" pitchFamily="34" charset="0"/>
+        <a:buFont typeface="Arial" pitchFamily="34" charset="0"/>
         <a:buChar char="•"/>
+        <a:defRPr sz="3200" kern="1200">
+          <a:solidFill>
+            <a:schemeClr val="tx1"/>
+          </a:solidFill>
+          <a:latin typeface="+mn-lt"/>
+          <a:ea typeface="+mn-ea"/>
+          <a:cs typeface="+mn-cs"/>
+        </a:defRPr>
+      </a:lvl1pPr>
+      <a:lvl2pPr marL="742950" indent="-285750" algn="l" defTabSz="914400" rtl="0" eaLnBrk="1" latinLnBrk="0" hangingPunct="1">
+        <a:spcBef>
+          <a:spcPct val="20000"/>
+        </a:spcBef>
+        <a:buFont typeface="Arial" pitchFamily="34" charset="0"/>
+        <a:buChar char="–"/>
         <a:defRPr sz="2800" kern="1200">
           <a:solidFill>
             <a:schemeClr val="tx1"/>
@@ -2706,15 +2878,12 @@
           <a:ea typeface="+mn-ea"/>
           <a:cs typeface="+mn-cs"/>
         </a:defRPr>
-      </a:lvl1pPr>
-      <a:lvl2pPr marL="685800" indent="-228600" algn="l" defTabSz="914400" rtl="0" eaLnBrk="1" latinLnBrk="0" hangingPunct="1">
-        <a:lnSpc>
-          <a:spcPct val="90000"/>
-        </a:lnSpc>
+      </a:lvl2pPr>
+      <a:lvl3pPr marL="1143000" indent="-228600" algn="l" defTabSz="914400" rtl="0" eaLnBrk="1" latinLnBrk="0" hangingPunct="1">
         <a:spcBef>
-          <a:spcPts val="500"/>
+          <a:spcPct val="20000"/>
         </a:spcBef>
-        <a:buFont typeface="Arial" panose="020B0604020202020204" pitchFamily="34" charset="0"/>
+        <a:buFont typeface="Arial" pitchFamily="34" charset="0"/>
         <a:buChar char="•"/>
         <a:defRPr sz="2400" kern="1200">
           <a:solidFill>
@@ -2724,15 +2893,42 @@
           <a:ea typeface="+mn-ea"/>
           <a:cs typeface="+mn-cs"/>
         </a:defRPr>
-      </a:lvl2pPr>
-      <a:lvl3pPr marL="1143000" indent="-228600" algn="l" defTabSz="914400" rtl="0" eaLnBrk="1" latinLnBrk="0" hangingPunct="1">
-        <a:lnSpc>
-          <a:spcPct val="90000"/>
-        </a:lnSpc>
+      </a:lvl3pPr>
+      <a:lvl4pPr marL="1600200" indent="-228600" algn="l" defTabSz="914400" rtl="0" eaLnBrk="1" latinLnBrk="0" hangingPunct="1">
         <a:spcBef>
-          <a:spcPts val="500"/>
+          <a:spcPct val="20000"/>
         </a:spcBef>
-        <a:buFont typeface="Arial" panose="020B0604020202020204" pitchFamily="34" charset="0"/>
+        <a:buFont typeface="Arial" pitchFamily="34" charset="0"/>
+        <a:buChar char="–"/>
+        <a:defRPr sz="2000" kern="1200">
+          <a:solidFill>
+            <a:schemeClr val="tx1"/>
+          </a:solidFill>
+          <a:latin typeface="+mn-lt"/>
+          <a:ea typeface="+mn-ea"/>
+          <a:cs typeface="+mn-cs"/>
+        </a:defRPr>
+      </a:lvl4pPr>
+      <a:lvl5pPr marL="2057400" indent="-228600" algn="l" defTabSz="914400" rtl="0" eaLnBrk="1" latinLnBrk="0" hangingPunct="1">
+        <a:spcBef>
+          <a:spcPct val="20000"/>
+        </a:spcBef>
+        <a:buFont typeface="Arial" pitchFamily="34" charset="0"/>
+        <a:buChar char="»"/>
+        <a:defRPr sz="2000" kern="1200">
+          <a:solidFill>
+            <a:schemeClr val="tx1"/>
+          </a:solidFill>
+          <a:latin typeface="+mn-lt"/>
+          <a:ea typeface="+mn-ea"/>
+          <a:cs typeface="+mn-cs"/>
+        </a:defRPr>
+      </a:lvl5pPr>
+      <a:lvl6pPr marL="2514600" indent="-228600" algn="l" defTabSz="914400" rtl="0" eaLnBrk="1" latinLnBrk="0" hangingPunct="1">
+        <a:spcBef>
+          <a:spcPct val="20000"/>
+        </a:spcBef>
+        <a:buFont typeface="Arial" pitchFamily="34" charset="0"/>
         <a:buChar char="•"/>
         <a:defRPr sz="2000" kern="1200">
           <a:solidFill>
@@ -2742,71 +2938,14 @@
           <a:ea typeface="+mn-ea"/>
           <a:cs typeface="+mn-cs"/>
         </a:defRPr>
-      </a:lvl3pPr>
-      <a:lvl4pPr marL="1600200" indent="-228600" algn="l" defTabSz="914400" rtl="0" eaLnBrk="1" latinLnBrk="0" hangingPunct="1">
-        <a:lnSpc>
-          <a:spcPct val="90000"/>
-        </a:lnSpc>
-        <a:spcBef>
-          <a:spcPts val="500"/>
-        </a:spcBef>
-        <a:buFont typeface="Arial" panose="020B0604020202020204" pitchFamily="34" charset="0"/>
-        <a:buChar char="•"/>
-        <a:defRPr sz="1800" kern="1200">
-          <a:solidFill>
-            <a:schemeClr val="tx1"/>
-          </a:solidFill>
-          <a:latin typeface="+mn-lt"/>
-          <a:ea typeface="+mn-ea"/>
-          <a:cs typeface="+mn-cs"/>
-        </a:defRPr>
-      </a:lvl4pPr>
-      <a:lvl5pPr marL="2057400" indent="-228600" algn="l" defTabSz="914400" rtl="0" eaLnBrk="1" latinLnBrk="0" hangingPunct="1">
-        <a:lnSpc>
-          <a:spcPct val="90000"/>
-        </a:lnSpc>
-        <a:spcBef>
-          <a:spcPts val="500"/>
-        </a:spcBef>
-        <a:buFont typeface="Arial" panose="020B0604020202020204" pitchFamily="34" charset="0"/>
-        <a:buChar char="•"/>
-        <a:defRPr sz="1800" kern="1200">
-          <a:solidFill>
-            <a:schemeClr val="tx1"/>
-          </a:solidFill>
-          <a:latin typeface="+mn-lt"/>
-          <a:ea typeface="+mn-ea"/>
-          <a:cs typeface="+mn-cs"/>
-        </a:defRPr>
-      </a:lvl5pPr>
-      <a:lvl6pPr marL="2514600" indent="-228600" algn="l" defTabSz="914400" rtl="0" eaLnBrk="1" latinLnBrk="0" hangingPunct="1">
-        <a:lnSpc>
-          <a:spcPct val="90000"/>
-        </a:lnSpc>
-        <a:spcBef>
-          <a:spcPts val="500"/>
-        </a:spcBef>
-        <a:buFont typeface="Arial" panose="020B0604020202020204" pitchFamily="34" charset="0"/>
-        <a:buChar char="•"/>
-        <a:defRPr sz="1800" kern="1200">
-          <a:solidFill>
-            <a:schemeClr val="tx1"/>
-          </a:solidFill>
-          <a:latin typeface="+mn-lt"/>
-          <a:ea typeface="+mn-ea"/>
-          <a:cs typeface="+mn-cs"/>
-        </a:defRPr>
       </a:lvl6pPr>
       <a:lvl7pPr marL="2971800" indent="-228600" algn="l" defTabSz="914400" rtl="0" eaLnBrk="1" latinLnBrk="0" hangingPunct="1">
-        <a:lnSpc>
-          <a:spcPct val="90000"/>
-        </a:lnSpc>
         <a:spcBef>
-          <a:spcPts val="500"/>
+          <a:spcPct val="20000"/>
         </a:spcBef>
-        <a:buFont typeface="Arial" panose="020B0604020202020204" pitchFamily="34" charset="0"/>
+        <a:buFont typeface="Arial" pitchFamily="34" charset="0"/>
         <a:buChar char="•"/>
-        <a:defRPr sz="1800" kern="1200">
+        <a:defRPr sz="2000" kern="1200">
           <a:solidFill>
             <a:schemeClr val="tx1"/>
           </a:solidFill>
@@ -2816,15 +2955,12 @@
         </a:defRPr>
       </a:lvl7pPr>
       <a:lvl8pPr marL="3429000" indent="-228600" algn="l" defTabSz="914400" rtl="0" eaLnBrk="1" latinLnBrk="0" hangingPunct="1">
-        <a:lnSpc>
-          <a:spcPct val="90000"/>
-        </a:lnSpc>
         <a:spcBef>
-          <a:spcPts val="500"/>
+          <a:spcPct val="20000"/>
         </a:spcBef>
-        <a:buFont typeface="Arial" panose="020B0604020202020204" pitchFamily="34" charset="0"/>
+        <a:buFont typeface="Arial" pitchFamily="34" charset="0"/>
         <a:buChar char="•"/>
-        <a:defRPr sz="1800" kern="1200">
+        <a:defRPr sz="2000" kern="1200">
           <a:solidFill>
             <a:schemeClr val="tx1"/>
           </a:solidFill>
@@ -2834,15 +2970,12 @@
         </a:defRPr>
       </a:lvl8pPr>
       <a:lvl9pPr marL="3886200" indent="-228600" algn="l" defTabSz="914400" rtl="0" eaLnBrk="1" latinLnBrk="0" hangingPunct="1">
-        <a:lnSpc>
-          <a:spcPct val="90000"/>
-        </a:lnSpc>
         <a:spcBef>
-          <a:spcPts val="500"/>
+          <a:spcPct val="20000"/>
         </a:spcBef>
-        <a:buFont typeface="Arial" panose="020B0604020202020204" pitchFamily="34" charset="0"/>
+        <a:buFont typeface="Arial" pitchFamily="34" charset="0"/>
         <a:buChar char="•"/>
-        <a:defRPr sz="1800" kern="1200">
+        <a:defRPr sz="2000" kern="1200">
           <a:solidFill>
             <a:schemeClr val="tx1"/>
           </a:solidFill>
@@ -2954,6 +3087,32 @@
 <file path=ppt/slides/slide1.xml><?xml version="1.0" encoding="utf-8"?>
 <p:sld xmlns:a="http://schemas.openxmlformats.org/drawingml/2006/main" xmlns:r="http://schemas.openxmlformats.org/officeDocument/2006/relationships" xmlns:p="http://schemas.openxmlformats.org/presentationml/2006/main">
   <p:cSld>
+    <p:bg>
+      <p:bgPr>
+        <a:gradFill flip="none" rotWithShape="1">
+          <a:gsLst>
+            <a:gs pos="17080">
+              <a:srgbClr val="6FADFF"/>
+            </a:gs>
+            <a:gs pos="0">
+              <a:srgbClr val="5E9EFF"/>
+            </a:gs>
+            <a:gs pos="39999">
+              <a:srgbClr val="85C2FF"/>
+            </a:gs>
+            <a:gs pos="70000">
+              <a:srgbClr val="C4D6EB"/>
+            </a:gs>
+            <a:gs pos="100000">
+              <a:srgbClr val="FFEBFA"/>
+            </a:gs>
+          </a:gsLst>
+          <a:lin ang="8100000" scaled="1"/>
+          <a:tileRect/>
+        </a:gradFill>
+        <a:effectLst/>
+      </p:bgPr>
+    </p:bg>
     <p:spTree>
       <p:nvGrpSpPr>
         <p:cNvPr id="1" name=""/>
@@ -2980,141 +3139,144 @@
         </p:nvSpPr>
         <p:spPr>
           <a:xfrm>
-            <a:off x="1371599" y="373792"/>
-            <a:ext cx="9144000" cy="924150"/>
+            <a:off x="762000" y="533400"/>
+            <a:ext cx="7772400" cy="1470025"/>
           </a:xfrm>
         </p:spPr>
         <p:txBody>
-          <a:bodyPr>
-            <a:normAutofit fontScale="90000"/>
-          </a:bodyPr>
-          <a:lstStyle/>
-          <a:p>
-            <a:r>
-              <a:rPr lang="en-GB" dirty="0" smtClean="0"/>
+          <a:bodyPr/>
+          <a:lstStyle/>
+          <a:p>
+            <a:r>
+              <a:rPr lang="en-US" dirty="0" smtClean="0"/>
               <a:t>Team Project</a:t>
             </a:r>
             <a:br>
-              <a:rPr lang="en-GB" dirty="0" smtClean="0"/>
+              <a:rPr lang="en-US" dirty="0" smtClean="0"/>
             </a:br>
-            <a:r>
-              <a:rPr lang="en-GB" sz="2000" dirty="0" smtClean="0"/>
+            <a:endParaRPr lang="en-US" dirty="0"/>
+          </a:p>
+        </p:txBody>
+      </p:sp>
+      <p:sp>
+        <p:nvSpPr>
+          <p:cNvPr id="3" name="Subtitle 2"/>
+          <p:cNvSpPr>
+            <a:spLocks noGrp="1"/>
+          </p:cNvSpPr>
+          <p:nvPr>
+            <p:ph type="subTitle" idx="1"/>
+          </p:nvPr>
+        </p:nvSpPr>
+        <p:spPr/>
+        <p:txBody>
+          <a:bodyPr/>
+          <a:lstStyle/>
+          <a:p>
+            <a:r>
+              <a:rPr lang="en-US" dirty="0" smtClean="0">
+                <a:solidFill>
+                  <a:schemeClr val="tx1"/>
+                </a:solidFill>
+              </a:rPr>
               <a:t>Team 5</a:t>
             </a:r>
-            <a:endParaRPr lang="en-GB" sz="2000" dirty="0"/>
-          </a:p>
-        </p:txBody>
-      </p:sp>
-      <p:sp>
-        <p:nvSpPr>
-          <p:cNvPr id="3" name="Subtitle 2"/>
-          <p:cNvSpPr>
-            <a:spLocks noGrp="1"/>
-          </p:cNvSpPr>
-          <p:nvPr>
-            <p:ph type="subTitle" idx="1"/>
-          </p:nvPr>
-        </p:nvSpPr>
+          </a:p>
+          <a:p>
+            <a:r>
+              <a:rPr lang="en-US" dirty="0" smtClean="0">
+                <a:solidFill>
+                  <a:schemeClr val="tx1"/>
+                </a:solidFill>
+              </a:rPr>
+              <a:t>Project title: Books in bound</a:t>
+            </a:r>
+            <a:endParaRPr lang="en-US" dirty="0">
+              <a:solidFill>
+                <a:schemeClr val="tx1"/>
+              </a:solidFill>
+            </a:endParaRPr>
+          </a:p>
+        </p:txBody>
+      </p:sp>
+      <p:pic>
+        <p:nvPicPr>
+          <p:cNvPr id="4" name="Picture 3"/>
+          <p:cNvPicPr>
+            <a:picLocks noChangeAspect="1"/>
+          </p:cNvPicPr>
+          <p:nvPr/>
+        </p:nvPicPr>
+        <p:blipFill>
+          <a:blip r:embed="rId2">
+            <a:extLst>
+              <a:ext uri="{28A0092B-C50C-407E-A947-70E740481C1C}">
+                <a14:useLocalDpi xmlns:a14="http://schemas.microsoft.com/office/drawing/2010/main" val="0"/>
+              </a:ext>
+            </a:extLst>
+          </a:blip>
+          <a:stretch>
+            <a:fillRect/>
+          </a:stretch>
+        </p:blipFill>
         <p:spPr>
           <a:xfrm>
-            <a:off x="8697685" y="2183974"/>
-            <a:ext cx="1905001" cy="1296533"/>
-          </a:xfrm>
-        </p:spPr>
-        <p:txBody>
-          <a:bodyPr>
-            <a:normAutofit/>
-          </a:bodyPr>
-          <a:lstStyle/>
-          <a:p>
-            <a:endParaRPr lang="en-GB" dirty="0" smtClean="0"/>
-          </a:p>
-          <a:p>
-            <a:r>
-              <a:rPr lang="en-GB" dirty="0" smtClean="0"/>
-              <a:t>LOGO</a:t>
-            </a:r>
-            <a:endParaRPr lang="en-GB" dirty="0"/>
-          </a:p>
-        </p:txBody>
-      </p:sp>
-      <p:sp>
-        <p:nvSpPr>
-          <p:cNvPr id="4" name="TextBox 3"/>
-          <p:cNvSpPr txBox="1"/>
-          <p:nvPr/>
-        </p:nvSpPr>
-        <p:spPr>
-          <a:xfrm>
-            <a:off x="3189514" y="2370576"/>
-            <a:ext cx="5508171" cy="1754326"/>
+            <a:off x="3756744" y="2590800"/>
+            <a:ext cx="1685925" cy="1009650"/>
           </a:xfrm>
           <a:prstGeom prst="rect">
             <a:avLst/>
           </a:prstGeom>
-          <a:noFill/>
         </p:spPr>
-        <p:txBody>
-          <a:bodyPr wrap="square" rtlCol="0">
-            <a:spAutoFit/>
-          </a:bodyPr>
-          <a:lstStyle/>
-          <a:p>
-            <a:pPr algn="ctr"/>
-            <a:r>
-              <a:rPr lang="en-GB" dirty="0" smtClean="0"/>
-              <a:t>Our team has chosen to design and create a book trading website which any University student can use to trade out their old educational books for a book of another kind. The reason we chose to make something like this is because all existing versions we could find were very clunky in design and were found as hard to use.</a:t>
-            </a:r>
-            <a:endParaRPr lang="en-GB" dirty="0"/>
-          </a:p>
-        </p:txBody>
-      </p:sp>
-      <p:sp>
-        <p:nvSpPr>
-          <p:cNvPr id="5" name="TextBox 4"/>
-          <p:cNvSpPr txBox="1"/>
-          <p:nvPr/>
-        </p:nvSpPr>
-        <p:spPr>
-          <a:xfrm>
-            <a:off x="2068286" y="6270171"/>
-            <a:ext cx="6400800" cy="369332"/>
-          </a:xfrm>
-          <a:prstGeom prst="rect">
-            <a:avLst/>
-          </a:prstGeom>
-          <a:noFill/>
-        </p:spPr>
-        <p:txBody>
-          <a:bodyPr wrap="square" rtlCol="0">
-            <a:spAutoFit/>
-          </a:bodyPr>
-          <a:lstStyle/>
-          <a:p>
-            <a:r>
-              <a:rPr lang="en-GB" dirty="0" smtClean="0"/>
-              <a:t>Team members:</a:t>
-            </a:r>
-            <a:endParaRPr lang="en-GB" dirty="0"/>
-          </a:p>
-        </p:txBody>
-      </p:sp>
+      </p:pic>
     </p:spTree>
     <p:extLst>
       <p:ext uri="{BB962C8B-B14F-4D97-AF65-F5344CB8AC3E}">
-        <p14:creationId xmlns:p14="http://schemas.microsoft.com/office/powerpoint/2010/main" val="77146798"/>
+        <p14:creationId xmlns:p14="http://schemas.microsoft.com/office/powerpoint/2010/main" val="2857209835"/>
       </p:ext>
     </p:extLst>
   </p:cSld>
   <p:clrMapOvr>
     <a:masterClrMapping/>
   </p:clrMapOvr>
+  <p:timing>
+    <p:tnLst>
+      <p:par>
+        <p:cTn id="1" dur="indefinite" restart="never" nodeType="tmRoot"/>
+      </p:par>
+    </p:tnLst>
+  </p:timing>
 </p:sld>
 </file>
 
 <file path=ppt/slides/slide2.xml><?xml version="1.0" encoding="utf-8"?>
 <p:sld xmlns:a="http://schemas.openxmlformats.org/drawingml/2006/main" xmlns:r="http://schemas.openxmlformats.org/officeDocument/2006/relationships" xmlns:p="http://schemas.openxmlformats.org/presentationml/2006/main">
   <p:cSld>
+    <p:bg>
+      <p:bgPr>
+        <a:gradFill>
+          <a:gsLst>
+            <a:gs pos="17080">
+              <a:srgbClr val="6FADFF"/>
+            </a:gs>
+            <a:gs pos="0">
+              <a:srgbClr val="5E9EFF"/>
+            </a:gs>
+            <a:gs pos="39999">
+              <a:srgbClr val="85C2FF"/>
+            </a:gs>
+            <a:gs pos="70000">
+              <a:srgbClr val="C4D6EB"/>
+            </a:gs>
+            <a:gs pos="100000">
+              <a:srgbClr val="FFEBFA"/>
+            </a:gs>
+          </a:gsLst>
+          <a:lin ang="8100000" scaled="1"/>
+        </a:gradFill>
+        <a:effectLst/>
+      </p:bgPr>
+    </p:bg>
     <p:spTree>
       <p:nvGrpSpPr>
         <p:cNvPr id="1" name=""/>
@@ -3144,11 +3306,12 @@
           <a:bodyPr/>
           <a:lstStyle/>
           <a:p>
-            <a:r>
-              <a:rPr lang="en-GB" dirty="0" smtClean="0"/>
-              <a:t>Who is it intended for?</a:t>
-            </a:r>
-            <a:endParaRPr lang="en-GB" dirty="0"/>
+            <a:pPr algn="l"/>
+            <a:r>
+              <a:rPr lang="en-US" dirty="0" smtClean="0"/>
+              <a:t>Overview</a:t>
+            </a:r>
+            <a:endParaRPr lang="en-US" dirty="0"/>
           </a:p>
         </p:txBody>
       </p:sp>
@@ -3164,33 +3327,80 @@
         </p:nvSpPr>
         <p:spPr/>
         <p:txBody>
-          <a:bodyPr/>
-          <a:lstStyle/>
-          <a:p>
-            <a:r>
-              <a:rPr lang="en-GB" dirty="0" smtClean="0"/>
-              <a:t>The website is intended mainly for university students to trade educational books they no longer need. </a:t>
-            </a:r>
-            <a:endParaRPr lang="en-GB" dirty="0"/>
+          <a:bodyPr>
+            <a:normAutofit/>
+          </a:bodyPr>
+          <a:lstStyle/>
+          <a:p>
+            <a:pPr marL="0" indent="0">
+              <a:buNone/>
+            </a:pPr>
+            <a:r>
+              <a:rPr lang="en-US" dirty="0" smtClean="0"/>
+              <a:t>Books in bound is a  city based book swapping website.</a:t>
+            </a:r>
+          </a:p>
+          <a:p>
+            <a:pPr marL="0" indent="0">
+              <a:buNone/>
+            </a:pPr>
+            <a:r>
+              <a:rPr lang="en-US" dirty="0" smtClean="0"/>
+              <a:t>The main aim is for students to be able to exchange their unused books for books that they want to read within their current city. </a:t>
+            </a:r>
+            <a:endParaRPr lang="en-US" dirty="0"/>
           </a:p>
         </p:txBody>
       </p:sp>
     </p:spTree>
     <p:extLst>
       <p:ext uri="{BB962C8B-B14F-4D97-AF65-F5344CB8AC3E}">
-        <p14:creationId xmlns:p14="http://schemas.microsoft.com/office/powerpoint/2010/main" val="3566885609"/>
+        <p14:creationId xmlns:p14="http://schemas.microsoft.com/office/powerpoint/2010/main" val="403472549"/>
       </p:ext>
     </p:extLst>
   </p:cSld>
   <p:clrMapOvr>
     <a:masterClrMapping/>
   </p:clrMapOvr>
+  <p:timing>
+    <p:tnLst>
+      <p:par>
+        <p:cTn id="1" dur="indefinite" restart="never" nodeType="tmRoot"/>
+      </p:par>
+    </p:tnLst>
+  </p:timing>
 </p:sld>
 </file>
 
 <file path=ppt/slides/slide3.xml><?xml version="1.0" encoding="utf-8"?>
 <p:sld xmlns:a="http://schemas.openxmlformats.org/drawingml/2006/main" xmlns:r="http://schemas.openxmlformats.org/officeDocument/2006/relationships" xmlns:p="http://schemas.openxmlformats.org/presentationml/2006/main">
   <p:cSld>
+    <p:bg>
+      <p:bgPr>
+        <a:gradFill flip="none" rotWithShape="1">
+          <a:gsLst>
+            <a:gs pos="17080">
+              <a:srgbClr val="6FADFF"/>
+            </a:gs>
+            <a:gs pos="0">
+              <a:srgbClr val="5E9EFF"/>
+            </a:gs>
+            <a:gs pos="39999">
+              <a:srgbClr val="85C2FF"/>
+            </a:gs>
+            <a:gs pos="70000">
+              <a:srgbClr val="C4D6EB"/>
+            </a:gs>
+            <a:gs pos="100000">
+              <a:srgbClr val="FFEBFA"/>
+            </a:gs>
+          </a:gsLst>
+          <a:lin ang="18900000" scaled="1"/>
+          <a:tileRect/>
+        </a:gradFill>
+        <a:effectLst/>
+      </p:bgPr>
+    </p:bg>
     <p:spTree>
       <p:nvGrpSpPr>
         <p:cNvPr id="1" name=""/>
@@ -3220,11 +3430,12 @@
           <a:bodyPr/>
           <a:lstStyle/>
           <a:p>
-            <a:r>
-              <a:rPr lang="en-GB" dirty="0" smtClean="0"/>
-              <a:t>What makes it good and why would you want to use it?</a:t>
-            </a:r>
-            <a:endParaRPr lang="en-GB" dirty="0"/>
+            <a:pPr algn="l"/>
+            <a:r>
+              <a:rPr lang="en-US" dirty="0" smtClean="0"/>
+              <a:t>Features</a:t>
+            </a:r>
+            <a:endParaRPr lang="en-US" dirty="0"/>
           </a:p>
         </p:txBody>
       </p:sp>
@@ -3240,33 +3451,141 @@
         </p:nvSpPr>
         <p:spPr/>
         <p:txBody>
-          <a:bodyPr/>
-          <a:lstStyle/>
-          <a:p>
-            <a:r>
-              <a:rPr lang="en-GB" dirty="0" smtClean="0"/>
-              <a:t>We have designed the website to be very accessible. We have done so by creating a very clean UI which is easy to navigate due to not having unwanted clutter.  </a:t>
-            </a:r>
-            <a:endParaRPr lang="en-GB" dirty="0"/>
+          <a:bodyPr>
+            <a:normAutofit/>
+          </a:bodyPr>
+          <a:lstStyle/>
+          <a:p>
+            <a:pPr>
+              <a:buFont typeface="Wingdings" pitchFamily="2" charset="2"/>
+              <a:buChar char="v"/>
+            </a:pPr>
+            <a:r>
+              <a:rPr lang="en-US" b="1" dirty="0" smtClean="0"/>
+              <a:t>City based</a:t>
+            </a:r>
+            <a:r>
+              <a:rPr lang="en-US" dirty="0" smtClean="0"/>
+              <a:t>;</a:t>
+            </a:r>
+          </a:p>
+          <a:p>
+            <a:pPr>
+              <a:buFont typeface="Wingdings" pitchFamily="2" charset="2"/>
+              <a:buChar char="v"/>
+            </a:pPr>
+            <a:endParaRPr lang="en-US" dirty="0" smtClean="0"/>
+          </a:p>
+          <a:p>
+            <a:pPr>
+              <a:buFont typeface="Wingdings" pitchFamily="2" charset="2"/>
+              <a:buChar char="v"/>
+            </a:pPr>
+            <a:r>
+              <a:rPr lang="en-US" b="1" dirty="0" smtClean="0"/>
+              <a:t>It’s free</a:t>
+            </a:r>
+            <a:r>
+              <a:rPr lang="en-US" dirty="0" smtClean="0"/>
+              <a:t>;</a:t>
+            </a:r>
+          </a:p>
+          <a:p>
+            <a:pPr>
+              <a:buFont typeface="Wingdings" pitchFamily="2" charset="2"/>
+              <a:buChar char="v"/>
+            </a:pPr>
+            <a:endParaRPr lang="en-US" dirty="0" smtClean="0"/>
+          </a:p>
+          <a:p>
+            <a:pPr>
+              <a:buFont typeface="Wingdings" pitchFamily="2" charset="2"/>
+              <a:buChar char="v"/>
+            </a:pPr>
+            <a:r>
+              <a:rPr lang="en-US" b="1" dirty="0" smtClean="0"/>
+              <a:t>Clean UI</a:t>
+            </a:r>
+            <a:r>
+              <a:rPr lang="en-US" dirty="0" smtClean="0"/>
+              <a:t>;</a:t>
+            </a:r>
+          </a:p>
+          <a:p>
+            <a:pPr>
+              <a:buFont typeface="Wingdings" pitchFamily="2" charset="2"/>
+              <a:buChar char="v"/>
+            </a:pPr>
+            <a:endParaRPr lang="en-US" dirty="0" smtClean="0"/>
+          </a:p>
+          <a:p>
+            <a:pPr>
+              <a:buFont typeface="Wingdings" pitchFamily="2" charset="2"/>
+              <a:buChar char="v"/>
+            </a:pPr>
+            <a:r>
+              <a:rPr lang="en-US" b="1" dirty="0" err="1" smtClean="0"/>
+              <a:t>Wishlist</a:t>
+            </a:r>
+            <a:r>
+              <a:rPr lang="en-US" b="1" dirty="0" smtClean="0"/>
+              <a:t>.</a:t>
+            </a:r>
+            <a:endParaRPr lang="en-US" b="1" dirty="0"/>
           </a:p>
         </p:txBody>
       </p:sp>
     </p:spTree>
     <p:extLst>
       <p:ext uri="{BB962C8B-B14F-4D97-AF65-F5344CB8AC3E}">
-        <p14:creationId xmlns:p14="http://schemas.microsoft.com/office/powerpoint/2010/main" val="3039721017"/>
+        <p14:creationId xmlns:p14="http://schemas.microsoft.com/office/powerpoint/2010/main" val="841443861"/>
       </p:ext>
     </p:extLst>
   </p:cSld>
   <p:clrMapOvr>
     <a:masterClrMapping/>
   </p:clrMapOvr>
+  <p:timing>
+    <p:tnLst>
+      <p:par>
+        <p:cTn id="1" dur="indefinite" restart="never" nodeType="tmRoot"/>
+      </p:par>
+    </p:tnLst>
+  </p:timing>
 </p:sld>
 </file>
 
 <file path=ppt/slides/slide4.xml><?xml version="1.0" encoding="utf-8"?>
 <p:sld xmlns:a="http://schemas.openxmlformats.org/drawingml/2006/main" xmlns:r="http://schemas.openxmlformats.org/officeDocument/2006/relationships" xmlns:p="http://schemas.openxmlformats.org/presentationml/2006/main">
   <p:cSld>
+    <p:bg>
+      <p:bgPr>
+        <a:gradFill flip="none" rotWithShape="1">
+          <a:gsLst>
+            <a:gs pos="17080">
+              <a:srgbClr val="6FADFF"/>
+            </a:gs>
+            <a:gs pos="0">
+              <a:srgbClr val="5E9EFF"/>
+            </a:gs>
+            <a:gs pos="39999">
+              <a:srgbClr val="85C2FF"/>
+            </a:gs>
+            <a:gs pos="70000">
+              <a:srgbClr val="C4D6EB"/>
+            </a:gs>
+            <a:gs pos="100000">
+              <a:srgbClr val="FFEBFA"/>
+            </a:gs>
+          </a:gsLst>
+          <a:path path="circle">
+            <a:fillToRect r="100000" b="100000"/>
+          </a:path>
+          <a:tileRect l="-100000" t="-100000"/>
+        </a:gradFill>
+        <a:effectLst/>
+      </p:bgPr>
+    </p:bg>
     <p:spTree>
       <p:nvGrpSpPr>
         <p:cNvPr id="1" name=""/>
@@ -3293,14 +3612,16 @@
         </p:nvSpPr>
         <p:spPr/>
         <p:txBody>
-          <a:bodyPr/>
-          <a:lstStyle/>
-          <a:p>
-            <a:r>
-              <a:rPr lang="en-GB" dirty="0" smtClean="0"/>
-              <a:t>Technology</a:t>
-            </a:r>
-            <a:endParaRPr lang="en-GB" dirty="0"/>
+          <a:bodyPr>
+            <a:normAutofit/>
+          </a:bodyPr>
+          <a:lstStyle/>
+          <a:p>
+            <a:r>
+              <a:rPr lang="en-US" dirty="0" smtClean="0"/>
+              <a:t>What technology are you using?</a:t>
+            </a:r>
+            <a:endParaRPr lang="en-US" dirty="0"/>
           </a:p>
         </p:txBody>
       </p:sp>
@@ -3319,30 +3640,154 @@
           <a:bodyPr/>
           <a:lstStyle/>
           <a:p>
-            <a:r>
-              <a:rPr lang="en-GB" dirty="0" smtClean="0"/>
-              <a:t>CSS, HTML, MySQL for the database, Java script.</a:t>
-            </a:r>
-            <a:endParaRPr lang="en-GB" dirty="0"/>
+            <a:pPr marL="514350" indent="-514350">
+              <a:buFont typeface="+mj-lt"/>
+              <a:buAutoNum type="arabicPeriod"/>
+            </a:pPr>
+            <a:r>
+              <a:rPr lang="en-US" dirty="0" smtClean="0"/>
+              <a:t>Front-end</a:t>
+            </a:r>
+          </a:p>
+          <a:p>
+            <a:pPr marL="457200" lvl="1" indent="0">
+              <a:buNone/>
+            </a:pPr>
+            <a:r>
+              <a:rPr lang="en-US" dirty="0" smtClean="0"/>
+              <a:t>-  HTML</a:t>
+            </a:r>
+          </a:p>
+          <a:p>
+            <a:pPr marL="457200" lvl="1" indent="0">
+              <a:buNone/>
+            </a:pPr>
+            <a:r>
+              <a:rPr lang="en-US" dirty="0" smtClean="0"/>
+              <a:t>-  CSS</a:t>
+            </a:r>
+          </a:p>
+          <a:p>
+            <a:pPr marL="457200" lvl="1" indent="0">
+              <a:buNone/>
+            </a:pPr>
+            <a:r>
+              <a:rPr lang="en-US" dirty="0" smtClean="0"/>
+              <a:t>-  </a:t>
+            </a:r>
+            <a:r>
+              <a:rPr lang="en-US" dirty="0" smtClean="0"/>
+              <a:t>JavaScript</a:t>
+            </a:r>
+            <a:endParaRPr lang="en-US" dirty="0"/>
+          </a:p>
+          <a:p>
+            <a:pPr marL="457200" lvl="1" indent="0">
+              <a:buNone/>
+            </a:pPr>
+            <a:r>
+              <a:rPr lang="en-US" dirty="0" smtClean="0"/>
+              <a:t>-  </a:t>
+            </a:r>
+            <a:r>
+              <a:rPr lang="en-US" dirty="0" err="1" smtClean="0"/>
+              <a:t>jQuery</a:t>
+            </a:r>
+            <a:endParaRPr lang="en-US" dirty="0" smtClean="0"/>
+          </a:p>
+          <a:p>
+            <a:pPr marL="514350" indent="-514350">
+              <a:buFont typeface="+mj-lt"/>
+              <a:buAutoNum type="arabicPeriod"/>
+            </a:pPr>
+            <a:r>
+              <a:rPr lang="en-US" dirty="0" smtClean="0"/>
+              <a:t>Back-end </a:t>
+            </a:r>
+          </a:p>
+          <a:p>
+            <a:pPr marL="0" indent="0">
+              <a:buNone/>
+            </a:pPr>
+            <a:r>
+              <a:rPr lang="en-US" dirty="0"/>
+              <a:t> </a:t>
+            </a:r>
+            <a:r>
+              <a:rPr lang="en-US" dirty="0" smtClean="0"/>
+              <a:t>    - PHP</a:t>
+            </a:r>
+          </a:p>
+          <a:p>
+            <a:pPr marL="0" indent="0">
+              <a:buNone/>
+            </a:pPr>
+            <a:r>
+              <a:rPr lang="en-US" dirty="0" smtClean="0"/>
+              <a:t>     -</a:t>
+            </a:r>
+            <a:r>
+              <a:rPr lang="en-US" dirty="0" err="1" smtClean="0"/>
+              <a:t>PostgreSQL</a:t>
+            </a:r>
+            <a:endParaRPr lang="en-US" dirty="0" smtClean="0"/>
+          </a:p>
+          <a:p>
+            <a:endParaRPr lang="en-US" dirty="0"/>
           </a:p>
         </p:txBody>
       </p:sp>
     </p:spTree>
     <p:extLst>
       <p:ext uri="{BB962C8B-B14F-4D97-AF65-F5344CB8AC3E}">
-        <p14:creationId xmlns:p14="http://schemas.microsoft.com/office/powerpoint/2010/main" val="1661185588"/>
+        <p14:creationId xmlns:p14="http://schemas.microsoft.com/office/powerpoint/2010/main" val="525943325"/>
       </p:ext>
     </p:extLst>
   </p:cSld>
   <p:clrMapOvr>
     <a:masterClrMapping/>
   </p:clrMapOvr>
+  <p:timing>
+    <p:tnLst>
+      <p:par>
+        <p:cTn id="1" dur="indefinite" restart="never" nodeType="tmRoot"/>
+      </p:par>
+    </p:tnLst>
+  </p:timing>
 </p:sld>
 </file>
 
 <file path=ppt/slides/slide5.xml><?xml version="1.0" encoding="utf-8"?>
 <p:sld xmlns:a="http://schemas.openxmlformats.org/drawingml/2006/main" xmlns:r="http://schemas.openxmlformats.org/officeDocument/2006/relationships" xmlns:p="http://schemas.openxmlformats.org/presentationml/2006/main">
   <p:cSld>
+    <p:bg>
+      <p:bgPr>
+        <a:gradFill flip="none" rotWithShape="1">
+          <a:gsLst>
+            <a:gs pos="17080">
+              <a:srgbClr val="6FADFF"/>
+            </a:gs>
+            <a:gs pos="0">
+              <a:srgbClr val="5E9EFF"/>
+            </a:gs>
+            <a:gs pos="39999">
+              <a:srgbClr val="85C2FF"/>
+            </a:gs>
+            <a:gs pos="70000">
+              <a:srgbClr val="C4D6EB"/>
+            </a:gs>
+            <a:gs pos="100000">
+              <a:srgbClr val="FFEBFA"/>
+            </a:gs>
+          </a:gsLst>
+          <a:path path="circle">
+            <a:fillToRect l="50000" t="50000" r="50000" b="50000"/>
+          </a:path>
+          <a:tileRect/>
+        </a:gradFill>
+        <a:effectLst/>
+      </p:bgPr>
+    </p:bg>
     <p:spTree>
       <p:nvGrpSpPr>
         <p:cNvPr id="1" name=""/>
@@ -3373,10 +3818,10 @@
           <a:lstStyle/>
           <a:p>
             <a:r>
-              <a:rPr lang="en-GB" dirty="0" smtClean="0"/>
-              <a:t>About us</a:t>
-            </a:r>
-            <a:endParaRPr lang="en-GB" dirty="0"/>
+              <a:rPr lang="en-US" dirty="0" smtClean="0"/>
+              <a:t> About us</a:t>
+            </a:r>
+            <a:endParaRPr lang="en-US" dirty="0"/>
           </a:p>
         </p:txBody>
       </p:sp>
@@ -3392,23 +3837,433 @@
         </p:nvSpPr>
         <p:spPr/>
         <p:txBody>
-          <a:bodyPr/>
-          <a:lstStyle/>
-          <a:p>
-            <a:endParaRPr lang="en-GB"/>
+          <a:bodyPr>
+            <a:normAutofit fontScale="92500" lnSpcReduction="10000"/>
+          </a:bodyPr>
+          <a:lstStyle/>
+          <a:p>
+            <a:pPr marL="0" indent="0">
+              <a:buNone/>
+            </a:pPr>
+            <a:r>
+              <a:rPr lang="en-US" dirty="0" smtClean="0"/>
+              <a:t>We have decided to split the front-end and the back-end between us.</a:t>
+            </a:r>
+          </a:p>
+          <a:p>
+            <a:pPr marL="0" indent="0">
+              <a:buNone/>
+            </a:pPr>
+            <a:r>
+              <a:rPr lang="en-US" dirty="0"/>
+              <a:t> </a:t>
+            </a:r>
+            <a:r>
+              <a:rPr lang="en-US" dirty="0" smtClean="0"/>
+              <a:t>Front-end:</a:t>
+            </a:r>
+          </a:p>
+          <a:p>
+            <a:pPr marL="0" indent="0">
+              <a:buNone/>
+            </a:pPr>
+            <a:r>
+              <a:rPr lang="en-US" dirty="0"/>
+              <a:t>	</a:t>
+            </a:r>
+            <a:r>
+              <a:rPr lang="en-US" dirty="0" smtClean="0"/>
+              <a:t>-Robert: </a:t>
+            </a:r>
+            <a:r>
+              <a:rPr lang="en-US" dirty="0" err="1" smtClean="0"/>
+              <a:t>login,sign</a:t>
+            </a:r>
+            <a:r>
+              <a:rPr lang="en-US" dirty="0" smtClean="0"/>
+              <a:t> </a:t>
+            </a:r>
+            <a:r>
+              <a:rPr lang="en-US" dirty="0" err="1" smtClean="0"/>
+              <a:t>up,finalise</a:t>
+            </a:r>
+            <a:r>
+              <a:rPr lang="en-US" dirty="0" smtClean="0"/>
+              <a:t> </a:t>
+            </a:r>
+            <a:r>
+              <a:rPr lang="en-US" dirty="0" err="1" smtClean="0"/>
+              <a:t>trade,terms</a:t>
+            </a:r>
+            <a:r>
+              <a:rPr lang="en-US" dirty="0" smtClean="0"/>
+              <a:t> and 	conditions </a:t>
+            </a:r>
+          </a:p>
+          <a:p>
+            <a:pPr marL="0" indent="0">
+              <a:buNone/>
+            </a:pPr>
+            <a:r>
+              <a:rPr lang="en-US" dirty="0"/>
+              <a:t>	</a:t>
+            </a:r>
+            <a:r>
+              <a:rPr lang="en-US" dirty="0" smtClean="0"/>
+              <a:t>-Sindile: report, home-page, help, contact</a:t>
+            </a:r>
+          </a:p>
+          <a:p>
+            <a:pPr marL="0" indent="0">
+              <a:buNone/>
+            </a:pPr>
+            <a:r>
+              <a:rPr lang="en-US" dirty="0" smtClean="0"/>
+              <a:t> Back-end:   </a:t>
+            </a:r>
+          </a:p>
+          <a:p>
+            <a:pPr marL="0" indent="0">
+              <a:buNone/>
+            </a:pPr>
+            <a:r>
+              <a:rPr lang="en-US" dirty="0"/>
+              <a:t>	</a:t>
+            </a:r>
+            <a:r>
+              <a:rPr lang="en-US" dirty="0" smtClean="0"/>
+              <a:t>-Daniel</a:t>
+            </a:r>
+            <a:r>
+              <a:rPr lang="en-US" dirty="0" smtClean="0"/>
+              <a:t>: </a:t>
+            </a:r>
+            <a:r>
+              <a:rPr lang="en-US" dirty="0" err="1" smtClean="0"/>
+              <a:t>PostgreSQL</a:t>
+            </a:r>
+            <a:r>
+              <a:rPr lang="en-US" dirty="0" smtClean="0"/>
+              <a:t> dynamic database.</a:t>
+            </a:r>
+          </a:p>
+          <a:p>
+            <a:pPr marL="0" indent="0">
+              <a:buNone/>
+            </a:pPr>
+            <a:r>
+              <a:rPr lang="en-US" dirty="0"/>
+              <a:t>	</a:t>
+            </a:r>
+            <a:r>
+              <a:rPr lang="en-US" dirty="0" smtClean="0"/>
+              <a:t>-</a:t>
+            </a:r>
+            <a:r>
+              <a:rPr lang="en-US" dirty="0" err="1" smtClean="0"/>
+              <a:t>Jay:php</a:t>
+            </a:r>
+            <a:r>
+              <a:rPr lang="en-US" dirty="0" smtClean="0"/>
+              <a:t>, </a:t>
+            </a:r>
+            <a:r>
+              <a:rPr lang="en-US" dirty="0" smtClean="0"/>
+              <a:t>database</a:t>
+            </a:r>
+            <a:endParaRPr lang="en-US" dirty="0"/>
           </a:p>
         </p:txBody>
       </p:sp>
     </p:spTree>
     <p:extLst>
       <p:ext uri="{BB962C8B-B14F-4D97-AF65-F5344CB8AC3E}">
-        <p14:creationId xmlns:p14="http://schemas.microsoft.com/office/powerpoint/2010/main" val="1246599886"/>
+        <p14:creationId xmlns:p14="http://schemas.microsoft.com/office/powerpoint/2010/main" val="2635731783"/>
       </p:ext>
     </p:extLst>
   </p:cSld>
   <p:clrMapOvr>
     <a:masterClrMapping/>
   </p:clrMapOvr>
+  <p:timing>
+    <p:tnLst>
+      <p:par>
+        <p:cTn id="1" dur="indefinite" restart="never" nodeType="tmRoot"/>
+      </p:par>
+    </p:tnLst>
+  </p:timing>
+</p:sld>
+</file>
+
+<file path=ppt/slides/slide6.xml><?xml version="1.0" encoding="utf-8"?>
+<p:sld xmlns:a="http://schemas.openxmlformats.org/drawingml/2006/main" xmlns:r="http://schemas.openxmlformats.org/officeDocument/2006/relationships" xmlns:p="http://schemas.openxmlformats.org/presentationml/2006/main">
+  <p:cSld>
+    <p:bg>
+      <p:bgPr>
+        <a:gradFill flip="none" rotWithShape="1">
+          <a:gsLst>
+            <a:gs pos="17080">
+              <a:srgbClr val="6FADFF"/>
+            </a:gs>
+            <a:gs pos="0">
+              <a:srgbClr val="5E9EFF"/>
+            </a:gs>
+            <a:gs pos="39999">
+              <a:srgbClr val="85C2FF"/>
+            </a:gs>
+            <a:gs pos="70000">
+              <a:srgbClr val="C4D6EB"/>
+            </a:gs>
+            <a:gs pos="100000">
+              <a:srgbClr val="FFEBFA"/>
+            </a:gs>
+          </a:gsLst>
+          <a:path path="circle">
+            <a:fillToRect r="100000" b="100000"/>
+          </a:path>
+          <a:tileRect l="-100000" t="-100000"/>
+        </a:gradFill>
+        <a:effectLst/>
+      </p:bgPr>
+    </p:bg>
+    <p:spTree>
+      <p:nvGrpSpPr>
+        <p:cNvPr id="1" name=""/>
+        <p:cNvGrpSpPr/>
+        <p:nvPr/>
+      </p:nvGrpSpPr>
+      <p:grpSpPr>
+        <a:xfrm>
+          <a:off x="0" y="0"/>
+          <a:ext cx="0" cy="0"/>
+          <a:chOff x="0" y="0"/>
+          <a:chExt cx="0" cy="0"/>
+        </a:xfrm>
+      </p:grpSpPr>
+      <p:sp>
+        <p:nvSpPr>
+          <p:cNvPr id="2" name="Title 1"/>
+          <p:cNvSpPr>
+            <a:spLocks noGrp="1"/>
+          </p:cNvSpPr>
+          <p:nvPr>
+            <p:ph type="title"/>
+          </p:nvPr>
+        </p:nvSpPr>
+        <p:spPr/>
+        <p:txBody>
+          <a:bodyPr/>
+          <a:lstStyle/>
+          <a:p>
+            <a:r>
+              <a:rPr lang="en-US" dirty="0" smtClean="0"/>
+              <a:t>Conclusion</a:t>
+            </a:r>
+            <a:endParaRPr lang="en-US" dirty="0"/>
+          </a:p>
+        </p:txBody>
+      </p:sp>
+      <p:sp>
+        <p:nvSpPr>
+          <p:cNvPr id="3" name="Content Placeholder 2"/>
+          <p:cNvSpPr>
+            <a:spLocks noGrp="1"/>
+          </p:cNvSpPr>
+          <p:nvPr>
+            <p:ph idx="1"/>
+          </p:nvPr>
+        </p:nvSpPr>
+        <p:spPr/>
+        <p:txBody>
+          <a:bodyPr/>
+          <a:lstStyle/>
+          <a:p>
+            <a:pPr marL="0" indent="0">
+              <a:buNone/>
+            </a:pPr>
+            <a:r>
+              <a:rPr lang="en-US" dirty="0" smtClean="0"/>
+              <a:t>What makes it great?</a:t>
+            </a:r>
+          </a:p>
+          <a:p>
+            <a:pPr marL="0" indent="0">
+              <a:buNone/>
+            </a:pPr>
+            <a:r>
+              <a:rPr lang="en-US" dirty="0" smtClean="0"/>
+              <a:t>Why </a:t>
+            </a:r>
+            <a:r>
+              <a:rPr lang="en-US" smtClean="0"/>
+              <a:t>should you use it?</a:t>
+            </a:r>
+            <a:endParaRPr lang="en-US" dirty="0" smtClean="0"/>
+          </a:p>
+          <a:p>
+            <a:pPr marL="0" indent="0">
+              <a:buNone/>
+            </a:pPr>
+            <a:r>
+              <a:rPr lang="en-US" dirty="0"/>
+              <a:t>	</a:t>
+            </a:r>
+          </a:p>
+        </p:txBody>
+      </p:sp>
+    </p:spTree>
+    <p:extLst>
+      <p:ext uri="{BB962C8B-B14F-4D97-AF65-F5344CB8AC3E}">
+        <p14:creationId xmlns:p14="http://schemas.microsoft.com/office/powerpoint/2010/main" val="1403919007"/>
+      </p:ext>
+    </p:extLst>
+  </p:cSld>
+  <p:clrMapOvr>
+    <a:masterClrMapping/>
+  </p:clrMapOvr>
+  <p:timing>
+    <p:tnLst>
+      <p:par>
+        <p:cTn id="1" dur="indefinite" restart="never" nodeType="tmRoot"/>
+      </p:par>
+    </p:tnLst>
+  </p:timing>
+</p:sld>
+</file>
+
+<file path=ppt/slides/slide7.xml><?xml version="1.0" encoding="utf-8"?>
+<p:sld xmlns:a="http://schemas.openxmlformats.org/drawingml/2006/main" xmlns:r="http://schemas.openxmlformats.org/officeDocument/2006/relationships" xmlns:p="http://schemas.openxmlformats.org/presentationml/2006/main">
+  <p:cSld>
+    <p:bg>
+      <p:bgPr>
+        <a:gradFill flip="none" rotWithShape="1">
+          <a:gsLst>
+            <a:gs pos="17080">
+              <a:srgbClr val="6FADFF"/>
+            </a:gs>
+            <a:gs pos="0">
+              <a:srgbClr val="5E9EFF"/>
+            </a:gs>
+            <a:gs pos="39999">
+              <a:srgbClr val="85C2FF"/>
+            </a:gs>
+            <a:gs pos="70000">
+              <a:srgbClr val="C4D6EB"/>
+            </a:gs>
+            <a:gs pos="100000">
+              <a:srgbClr val="FFEBFA"/>
+            </a:gs>
+          </a:gsLst>
+          <a:path path="circle">
+            <a:fillToRect l="50000" t="50000" r="50000" b="50000"/>
+          </a:path>
+          <a:tileRect/>
+        </a:gradFill>
+        <a:effectLst/>
+      </p:bgPr>
+    </p:bg>
+    <p:spTree>
+      <p:nvGrpSpPr>
+        <p:cNvPr id="1" name=""/>
+        <p:cNvGrpSpPr/>
+        <p:nvPr/>
+      </p:nvGrpSpPr>
+      <p:grpSpPr>
+        <a:xfrm>
+          <a:off x="0" y="0"/>
+          <a:ext cx="0" cy="0"/>
+          <a:chOff x="0" y="0"/>
+          <a:chExt cx="0" cy="0"/>
+        </a:xfrm>
+      </p:grpSpPr>
+      <p:sp>
+        <p:nvSpPr>
+          <p:cNvPr id="2" name="Title 1"/>
+          <p:cNvSpPr>
+            <a:spLocks noGrp="1"/>
+          </p:cNvSpPr>
+          <p:nvPr>
+            <p:ph type="title"/>
+          </p:nvPr>
+        </p:nvSpPr>
+        <p:spPr>
+          <a:xfrm>
+            <a:off x="457200" y="304800"/>
+            <a:ext cx="8229600" cy="1143000"/>
+          </a:xfrm>
+        </p:spPr>
+        <p:txBody>
+          <a:bodyPr/>
+          <a:lstStyle/>
+          <a:p>
+            <a:r>
+              <a:rPr lang="en-US" dirty="0" smtClean="0"/>
+              <a:t>End</a:t>
+            </a:r>
+            <a:endParaRPr lang="en-US" dirty="0"/>
+          </a:p>
+        </p:txBody>
+      </p:sp>
+      <p:sp>
+        <p:nvSpPr>
+          <p:cNvPr id="3" name="Content Placeholder 2"/>
+          <p:cNvSpPr>
+            <a:spLocks noGrp="1"/>
+          </p:cNvSpPr>
+          <p:nvPr>
+            <p:ph idx="1"/>
+          </p:nvPr>
+        </p:nvSpPr>
+        <p:spPr/>
+        <p:txBody>
+          <a:bodyPr/>
+          <a:lstStyle/>
+          <a:p>
+            <a:pPr algn="ctr"/>
+            <a:endParaRPr lang="en-US" dirty="0" smtClean="0"/>
+          </a:p>
+          <a:p>
+            <a:pPr algn="ctr"/>
+            <a:endParaRPr lang="en-US" dirty="0"/>
+          </a:p>
+          <a:p>
+            <a:pPr algn="ctr"/>
+            <a:endParaRPr lang="en-US" dirty="0" smtClean="0"/>
+          </a:p>
+          <a:p>
+            <a:pPr marL="0" lvl="3" indent="0" algn="ctr">
+              <a:buNone/>
+            </a:pPr>
+            <a:r>
+              <a:rPr lang="en-US" sz="4400" dirty="0"/>
+              <a:t>Questions?</a:t>
+            </a:r>
+          </a:p>
+          <a:p>
+            <a:endParaRPr lang="en-US" dirty="0"/>
+          </a:p>
+          <a:p>
+            <a:endParaRPr lang="en-US" dirty="0" smtClean="0"/>
+          </a:p>
+        </p:txBody>
+      </p:sp>
+    </p:spTree>
+    <p:extLst>
+      <p:ext uri="{BB962C8B-B14F-4D97-AF65-F5344CB8AC3E}">
+        <p14:creationId xmlns:p14="http://schemas.microsoft.com/office/powerpoint/2010/main" val="1340085480"/>
+      </p:ext>
+    </p:extLst>
+  </p:cSld>
+  <p:clrMapOvr>
+    <a:masterClrMapping/>
+  </p:clrMapOvr>
+  <p:timing>
+    <p:tnLst>
+      <p:par>
+        <p:cTn id="1" dur="indefinite" restart="never" nodeType="tmRoot"/>
+      </p:par>
+    </p:tnLst>
+  </p:timing>
 </p:sld>
 </file>
 
@@ -3423,39 +4278,39 @@
         <a:sysClr val="window" lastClr="FFFFFF"/>
       </a:lt1>
       <a:dk2>
-        <a:srgbClr val="44546A"/>
+        <a:srgbClr val="1F497D"/>
       </a:dk2>
       <a:lt2>
-        <a:srgbClr val="E7E6E6"/>
+        <a:srgbClr val="EEECE1"/>
       </a:lt2>
       <a:accent1>
-        <a:srgbClr val="5B9BD5"/>
+        <a:srgbClr val="4F81BD"/>
       </a:accent1>
       <a:accent2>
-        <a:srgbClr val="ED7D31"/>
+        <a:srgbClr val="C0504D"/>
       </a:accent2>
       <a:accent3>
-        <a:srgbClr val="A5A5A5"/>
+        <a:srgbClr val="9BBB59"/>
       </a:accent3>
       <a:accent4>
-        <a:srgbClr val="FFC000"/>
+        <a:srgbClr val="8064A2"/>
       </a:accent4>
       <a:accent5>
-        <a:srgbClr val="4472C4"/>
+        <a:srgbClr val="4BACC6"/>
       </a:accent5>
       <a:accent6>
-        <a:srgbClr val="70AD47"/>
+        <a:srgbClr val="F79646"/>
       </a:accent6>
       <a:hlink>
-        <a:srgbClr val="0563C1"/>
+        <a:srgbClr val="0000FF"/>
       </a:hlink>
       <a:folHlink>
-        <a:srgbClr val="954F72"/>
+        <a:srgbClr val="800080"/>
       </a:folHlink>
     </a:clrScheme>
     <a:fontScheme name="Office">
       <a:majorFont>
-        <a:latin typeface="Calibri Light" panose="020F0302020204030204"/>
+        <a:latin typeface="Calibri"/>
         <a:ea typeface=""/>
         <a:cs typeface=""/>
         <a:font script="Jpan" typeface="ＭＳ Ｐゴシック"/>
@@ -3490,7 +4345,7 @@
         <a:font script="Geor" typeface="Sylfaen"/>
       </a:majorFont>
       <a:minorFont>
-        <a:latin typeface="Calibri" panose="020F0502020204030204"/>
+        <a:latin typeface="Calibri"/>
         <a:ea typeface=""/>
         <a:cs typeface=""/>
         <a:font script="Jpan" typeface="ＭＳ Ｐゴシック"/>
@@ -3534,141 +4389,165 @@
           <a:gsLst>
             <a:gs pos="0">
               <a:schemeClr val="phClr">
-                <a:lumMod val="110000"/>
-                <a:satMod val="105000"/>
-                <a:tint val="67000"/>
+                <a:tint val="50000"/>
+                <a:satMod val="300000"/>
               </a:schemeClr>
             </a:gs>
-            <a:gs pos="50000">
+            <a:gs pos="35000">
               <a:schemeClr val="phClr">
-                <a:lumMod val="105000"/>
-                <a:satMod val="103000"/>
-                <a:tint val="73000"/>
+                <a:tint val="37000"/>
+                <a:satMod val="300000"/>
               </a:schemeClr>
             </a:gs>
             <a:gs pos="100000">
               <a:schemeClr val="phClr">
-                <a:lumMod val="105000"/>
-                <a:satMod val="109000"/>
-                <a:tint val="81000"/>
+                <a:tint val="15000"/>
+                <a:satMod val="350000"/>
               </a:schemeClr>
             </a:gs>
           </a:gsLst>
-          <a:lin ang="5400000" scaled="0"/>
+          <a:lin ang="16200000" scaled="1"/>
         </a:gradFill>
         <a:gradFill rotWithShape="1">
           <a:gsLst>
             <a:gs pos="0">
               <a:schemeClr val="phClr">
-                <a:satMod val="103000"/>
-                <a:lumMod val="102000"/>
-                <a:tint val="94000"/>
+                <a:shade val="51000"/>
+                <a:satMod val="130000"/>
               </a:schemeClr>
             </a:gs>
-            <a:gs pos="50000">
+            <a:gs pos="80000">
               <a:schemeClr val="phClr">
-                <a:satMod val="110000"/>
-                <a:lumMod val="100000"/>
-                <a:shade val="100000"/>
+                <a:shade val="93000"/>
+                <a:satMod val="130000"/>
               </a:schemeClr>
             </a:gs>
             <a:gs pos="100000">
               <a:schemeClr val="phClr">
-                <a:lumMod val="99000"/>
-                <a:satMod val="120000"/>
-                <a:shade val="78000"/>
+                <a:shade val="94000"/>
+                <a:satMod val="135000"/>
               </a:schemeClr>
             </a:gs>
           </a:gsLst>
-          <a:lin ang="5400000" scaled="0"/>
+          <a:lin ang="16200000" scaled="0"/>
         </a:gradFill>
       </a:fillStyleLst>
       <a:lnStyleLst>
-        <a:ln w="6350" cap="flat" cmpd="sng" algn="ctr">
+        <a:ln w="9525" cap="flat" cmpd="sng" algn="ctr">
+          <a:solidFill>
+            <a:schemeClr val="phClr">
+              <a:shade val="95000"/>
+              <a:satMod val="105000"/>
+            </a:schemeClr>
+          </a:solidFill>
+          <a:prstDash val="solid"/>
+        </a:ln>
+        <a:ln w="25400" cap="flat" cmpd="sng" algn="ctr">
           <a:solidFill>
             <a:schemeClr val="phClr"/>
           </a:solidFill>
           <a:prstDash val="solid"/>
-          <a:miter lim="800000"/>
         </a:ln>
-        <a:ln w="12700" cap="flat" cmpd="sng" algn="ctr">
+        <a:ln w="38100" cap="flat" cmpd="sng" algn="ctr">
           <a:solidFill>
             <a:schemeClr val="phClr"/>
           </a:solidFill>
           <a:prstDash val="solid"/>
-          <a:miter lim="800000"/>
-        </a:ln>
-        <a:ln w="19050" cap="flat" cmpd="sng" algn="ctr">
-          <a:solidFill>
-            <a:schemeClr val="phClr"/>
-          </a:solidFill>
-          <a:prstDash val="solid"/>
-          <a:miter lim="800000"/>
         </a:ln>
       </a:lnStyleLst>
       <a:effectStyleLst>
         <a:effectStyle>
-          <a:effectLst/>
-        </a:effectStyle>
-        <a:effectStyle>
-          <a:effectLst/>
+          <a:effectLst>
+            <a:outerShdw blurRad="40000" dist="20000" dir="5400000" rotWithShape="0">
+              <a:srgbClr val="000000">
+                <a:alpha val="38000"/>
+              </a:srgbClr>
+            </a:outerShdw>
+          </a:effectLst>
         </a:effectStyle>
         <a:effectStyle>
           <a:effectLst>
-            <a:outerShdw blurRad="57150" dist="19050" dir="5400000" algn="ctr" rotWithShape="0">
+            <a:outerShdw blurRad="40000" dist="23000" dir="5400000" rotWithShape="0">
               <a:srgbClr val="000000">
-                <a:alpha val="63000"/>
+                <a:alpha val="35000"/>
               </a:srgbClr>
             </a:outerShdw>
           </a:effectLst>
+        </a:effectStyle>
+        <a:effectStyle>
+          <a:effectLst>
+            <a:outerShdw blurRad="40000" dist="23000" dir="5400000" rotWithShape="0">
+              <a:srgbClr val="000000">
+                <a:alpha val="35000"/>
+              </a:srgbClr>
+            </a:outerShdw>
+          </a:effectLst>
+          <a:scene3d>
+            <a:camera prst="orthographicFront">
+              <a:rot lat="0" lon="0" rev="0"/>
+            </a:camera>
+            <a:lightRig rig="threePt" dir="t">
+              <a:rot lat="0" lon="0" rev="1200000"/>
+            </a:lightRig>
+          </a:scene3d>
+          <a:sp3d>
+            <a:bevelT w="63500" h="25400"/>
+          </a:sp3d>
         </a:effectStyle>
       </a:effectStyleLst>
       <a:bgFillStyleLst>
         <a:solidFill>
           <a:schemeClr val="phClr"/>
         </a:solidFill>
-        <a:solidFill>
-          <a:schemeClr val="phClr">
-            <a:tint val="95000"/>
-            <a:satMod val="170000"/>
-          </a:schemeClr>
-        </a:solidFill>
         <a:gradFill rotWithShape="1">
           <a:gsLst>
             <a:gs pos="0">
               <a:schemeClr val="phClr">
-                <a:tint val="93000"/>
-                <a:satMod val="150000"/>
-                <a:shade val="98000"/>
-                <a:lumMod val="102000"/>
+                <a:tint val="40000"/>
+                <a:satMod val="350000"/>
               </a:schemeClr>
             </a:gs>
-            <a:gs pos="50000">
+            <a:gs pos="40000">
               <a:schemeClr val="phClr">
-                <a:tint val="98000"/>
-                <a:satMod val="130000"/>
-                <a:shade val="90000"/>
-                <a:lumMod val="103000"/>
+                <a:tint val="45000"/>
+                <a:shade val="99000"/>
+                <a:satMod val="350000"/>
               </a:schemeClr>
             </a:gs>
             <a:gs pos="100000">
               <a:schemeClr val="phClr">
-                <a:shade val="63000"/>
-                <a:satMod val="120000"/>
+                <a:shade val="20000"/>
+                <a:satMod val="255000"/>
               </a:schemeClr>
             </a:gs>
           </a:gsLst>
-          <a:lin ang="5400000" scaled="0"/>
+          <a:path path="circle">
+            <a:fillToRect l="50000" t="-80000" r="50000" b="180000"/>
+          </a:path>
+        </a:gradFill>
+        <a:gradFill rotWithShape="1">
+          <a:gsLst>
+            <a:gs pos="0">
+              <a:schemeClr val="phClr">
+                <a:tint val="80000"/>
+                <a:satMod val="300000"/>
+              </a:schemeClr>
+            </a:gs>
+            <a:gs pos="100000">
+              <a:schemeClr val="phClr">
+                <a:shade val="30000"/>
+                <a:satMod val="200000"/>
+              </a:schemeClr>
+            </a:gs>
+          </a:gsLst>
+          <a:path path="circle">
+            <a:fillToRect l="50000" t="50000" r="50000" b="50000"/>
+          </a:path>
         </a:gradFill>
       </a:bgFillStyleLst>
     </a:fmtScheme>
   </a:themeElements>
   <a:objectDefaults/>
   <a:extraClrSchemeLst/>
-  <a:extLst>
-    <a:ext uri="{05A4C25C-085E-4340-85A3-A5531E510DB2}">
-      <thm15:themeFamily xmlns:thm15="http://schemas.microsoft.com/office/thememl/2012/main" name="Office Theme" id="{62F939B6-93AF-4DB8-9C6B-D6C7DFDC589F}" vid="{4A3C46E8-61CC-4603-A589-7422A47A8E4A}"/>
-    </a:ext>
-  </a:extLst>
 </a:theme>
 </file>